--- a/Documentation/Presentation/Presentation.pptx
+++ b/Documentation/Presentation/Presentation.pptx
@@ -9,10 +9,26 @@
     <p:sldId id="257" r:id="rId3"/>
     <p:sldId id="258" r:id="rId4"/>
     <p:sldId id="259" r:id="rId5"/>
-    <p:sldId id="260" r:id="rId6"/>
-    <p:sldId id="261" r:id="rId7"/>
-    <p:sldId id="262" r:id="rId8"/>
-    <p:sldId id="263" r:id="rId9"/>
+    <p:sldId id="264" r:id="rId6"/>
+    <p:sldId id="270" r:id="rId7"/>
+    <p:sldId id="267" r:id="rId8"/>
+    <p:sldId id="260" r:id="rId9"/>
+    <p:sldId id="268" r:id="rId10"/>
+    <p:sldId id="261" r:id="rId11"/>
+    <p:sldId id="269" r:id="rId12"/>
+    <p:sldId id="262" r:id="rId13"/>
+    <p:sldId id="263" r:id="rId14"/>
+    <p:sldId id="265" r:id="rId15"/>
+    <p:sldId id="274" r:id="rId16"/>
+    <p:sldId id="275" r:id="rId17"/>
+    <p:sldId id="276" r:id="rId18"/>
+    <p:sldId id="277" r:id="rId19"/>
+    <p:sldId id="278" r:id="rId20"/>
+    <p:sldId id="279" r:id="rId21"/>
+    <p:sldId id="280" r:id="rId22"/>
+    <p:sldId id="281" r:id="rId23"/>
+    <p:sldId id="282" r:id="rId24"/>
+    <p:sldId id="283" r:id="rId25"/>
   </p:sldIdLst>
   <p:sldSz cx="12192000" cy="6858000"/>
   <p:notesSz cx="6858000" cy="9144000"/>
@@ -111,7 +127,20 @@
       </a:defRPr>
     </a:lvl9pPr>
   </p:defaultTextStyle>
+  <p:extLst>
+    <p:ext uri="{EFAFB233-063F-42B5-8137-9DF3F51BA10A}">
+      <p15:sldGuideLst xmlns:p15="http://schemas.microsoft.com/office/powerpoint/2012/main"/>
+    </p:ext>
+  </p:extLst>
 </p:presentation>
+</file>
+
+<file path=ppt/revisionInfo.xml><?xml version="1.0" encoding="utf-8"?>
+<p1510:revInfo xmlns:a="http://schemas.openxmlformats.org/drawingml/2006/main" xmlns:r="http://schemas.openxmlformats.org/officeDocument/2006/relationships" xmlns:p1510="http://schemas.microsoft.com/office/powerpoint/2015/10/main">
+  <p1510:revLst>
+    <p1510:client id="{B2F1D6CA-701A-4CAE-B0A8-BD411A192E92}" v="464" dt="2020-05-21T15:55:22.165"/>
+  </p1510:revLst>
+</p1510:revInfo>
 </file>
 
 <file path=ppt/slideLayouts/slideLayout1.xml><?xml version="1.0" encoding="utf-8"?>
@@ -3714,6 +3743,2620 @@
 </p:sld>
 </file>
 
+<file path=ppt/slides/slide10.xml><?xml version="1.0" encoding="utf-8"?>
+<p:sld xmlns:a="http://schemas.openxmlformats.org/drawingml/2006/main" xmlns:r="http://schemas.openxmlformats.org/officeDocument/2006/relationships" xmlns:p="http://schemas.openxmlformats.org/presentationml/2006/main">
+  <p:cSld>
+    <p:bg>
+      <p:bgPr>
+        <a:blipFill dpi="0" rotWithShape="1">
+          <a:blip r:embed="rId2">
+            <a:alphaModFix amt="79000"/>
+            <a:lum/>
+          </a:blip>
+          <a:srcRect/>
+          <a:tile tx="0" ty="0" sx="100000" sy="100000" flip="none" algn="tl"/>
+        </a:blipFill>
+        <a:effectLst/>
+      </p:bgPr>
+    </p:bg>
+    <p:spTree>
+      <p:nvGrpSpPr>
+        <p:cNvPr id="1" name=""/>
+        <p:cNvGrpSpPr/>
+        <p:nvPr/>
+      </p:nvGrpSpPr>
+      <p:grpSpPr>
+        <a:xfrm>
+          <a:off x="0" y="0"/>
+          <a:ext cx="0" cy="0"/>
+          <a:chOff x="0" y="0"/>
+          <a:chExt cx="0" cy="0"/>
+        </a:xfrm>
+      </p:grpSpPr>
+      <p:sp>
+        <p:nvSpPr>
+          <p:cNvPr id="2" name="pole tekstowe 1">
+            <a:extLst>
+              <a:ext uri="{FF2B5EF4-FFF2-40B4-BE49-F238E27FC236}">
+                <a16:creationId xmlns:a16="http://schemas.microsoft.com/office/drawing/2014/main" id="{39CF92C7-6638-472D-8647-DE82A4A2B39C}"/>
+              </a:ext>
+            </a:extLst>
+          </p:cNvPr>
+          <p:cNvSpPr txBox="1"/>
+          <p:nvPr/>
+        </p:nvSpPr>
+        <p:spPr>
+          <a:xfrm>
+            <a:off x="4446798" y="369443"/>
+            <a:ext cx="3298403" cy="861774"/>
+          </a:xfrm>
+          <a:prstGeom prst="rect">
+            <a:avLst/>
+          </a:prstGeom>
+          <a:noFill/>
+        </p:spPr>
+        <p:txBody>
+          <a:bodyPr wrap="none" rtlCol="0">
+            <a:spAutoFit/>
+          </a:bodyPr>
+          <a:lstStyle/>
+          <a:p>
+            <a:r>
+              <a:rPr lang="pl-PL" sz="5000" b="1" dirty="0"/>
+              <a:t>3. ITERACJA</a:t>
+            </a:r>
+            <a:endParaRPr lang="ru-RU" sz="5000" b="1" dirty="0"/>
+          </a:p>
+        </p:txBody>
+      </p:sp>
+      <p:sp>
+        <p:nvSpPr>
+          <p:cNvPr id="3" name="pole tekstowe 2">
+            <a:extLst>
+              <a:ext uri="{FF2B5EF4-FFF2-40B4-BE49-F238E27FC236}">
+                <a16:creationId xmlns:a16="http://schemas.microsoft.com/office/drawing/2014/main" id="{3291B2EB-94FB-4A10-AAD6-B13AD5FC560E}"/>
+              </a:ext>
+            </a:extLst>
+          </p:cNvPr>
+          <p:cNvSpPr txBox="1"/>
+          <p:nvPr/>
+        </p:nvSpPr>
+        <p:spPr>
+          <a:xfrm>
+            <a:off x="3430493" y="2844224"/>
+            <a:ext cx="5331011" cy="1169551"/>
+          </a:xfrm>
+          <a:prstGeom prst="rect">
+            <a:avLst/>
+          </a:prstGeom>
+          <a:noFill/>
+        </p:spPr>
+        <p:txBody>
+          <a:bodyPr wrap="none" rtlCol="0">
+            <a:spAutoFit/>
+          </a:bodyPr>
+          <a:lstStyle/>
+          <a:p>
+            <a:pPr marL="285750" indent="-285750">
+              <a:buFontTx/>
+              <a:buChar char="-"/>
+            </a:pPr>
+            <a:r>
+              <a:rPr lang="pl-PL" sz="3500" dirty="0"/>
+              <a:t>Tworzenie aplikacji.</a:t>
+            </a:r>
+          </a:p>
+          <a:p>
+            <a:pPr marL="285750" indent="-285750">
+              <a:buFontTx/>
+              <a:buChar char="-"/>
+            </a:pPr>
+            <a:r>
+              <a:rPr lang="pl-PL" sz="3500" dirty="0"/>
+              <a:t>Aktualizacja dokumentacji.</a:t>
+            </a:r>
+            <a:endParaRPr lang="ru-RU" sz="3500" dirty="0"/>
+          </a:p>
+        </p:txBody>
+      </p:sp>
+    </p:spTree>
+    <p:extLst>
+      <p:ext uri="{BB962C8B-B14F-4D97-AF65-F5344CB8AC3E}">
+        <p14:creationId xmlns:p14="http://schemas.microsoft.com/office/powerpoint/2010/main" val="2882582065"/>
+      </p:ext>
+    </p:extLst>
+  </p:cSld>
+  <p:clrMapOvr>
+    <a:masterClrMapping/>
+  </p:clrMapOvr>
+  <p:timing>
+    <p:tnLst>
+      <p:par>
+        <p:cTn id="1" dur="indefinite" restart="never" nodeType="tmRoot">
+          <p:childTnLst>
+            <p:seq concurrent="1" nextAc="seek">
+              <p:cTn id="2" dur="indefinite" nodeType="mainSeq">
+                <p:childTnLst>
+                  <p:par>
+                    <p:cTn id="3" fill="hold">
+                      <p:stCondLst>
+                        <p:cond delay="indefinite"/>
+                        <p:cond evt="onBegin" delay="0">
+                          <p:tn val="2"/>
+                        </p:cond>
+                      </p:stCondLst>
+                      <p:childTnLst>
+                        <p:par>
+                          <p:cTn id="4" fill="hold">
+                            <p:stCondLst>
+                              <p:cond delay="0"/>
+                            </p:stCondLst>
+                            <p:childTnLst>
+                              <p:par>
+                                <p:cTn id="5" presetID="14" presetClass="entr" presetSubtype="10" fill="hold" grpId="0" nodeType="afterEffect">
+                                  <p:stCondLst>
+                                    <p:cond delay="0"/>
+                                  </p:stCondLst>
+                                  <p:childTnLst>
+                                    <p:set>
+                                      <p:cBhvr>
+                                        <p:cTn id="6" dur="1" fill="hold">
+                                          <p:stCondLst>
+                                            <p:cond delay="0"/>
+                                          </p:stCondLst>
+                                        </p:cTn>
+                                        <p:tgtEl>
+                                          <p:spTgt spid="3"/>
+                                        </p:tgtEl>
+                                        <p:attrNameLst>
+                                          <p:attrName>style.visibility</p:attrName>
+                                        </p:attrNameLst>
+                                      </p:cBhvr>
+                                      <p:to>
+                                        <p:strVal val="visible"/>
+                                      </p:to>
+                                    </p:set>
+                                    <p:animEffect transition="in" filter="randombar(horizontal)">
+                                      <p:cBhvr>
+                                        <p:cTn id="7" dur="400"/>
+                                        <p:tgtEl>
+                                          <p:spTgt spid="3"/>
+                                        </p:tgtEl>
+                                      </p:cBhvr>
+                                    </p:animEffect>
+                                  </p:childTnLst>
+                                </p:cTn>
+                              </p:par>
+                            </p:childTnLst>
+                          </p:cTn>
+                        </p:par>
+                      </p:childTnLst>
+                    </p:cTn>
+                  </p:par>
+                </p:childTnLst>
+              </p:cTn>
+              <p:prevCondLst>
+                <p:cond evt="onPrev" delay="0">
+                  <p:tgtEl>
+                    <p:sldTgt/>
+                  </p:tgtEl>
+                </p:cond>
+              </p:prevCondLst>
+              <p:nextCondLst>
+                <p:cond evt="onNext" delay="0">
+                  <p:tgtEl>
+                    <p:sldTgt/>
+                  </p:tgtEl>
+                </p:cond>
+              </p:nextCondLst>
+            </p:seq>
+          </p:childTnLst>
+        </p:cTn>
+      </p:par>
+    </p:tnLst>
+    <p:bldLst>
+      <p:bldP spid="3" grpId="0"/>
+    </p:bldLst>
+  </p:timing>
+</p:sld>
+</file>
+
+<file path=ppt/slides/slide11.xml><?xml version="1.0" encoding="utf-8"?>
+<p:sld xmlns:a="http://schemas.openxmlformats.org/drawingml/2006/main" xmlns:r="http://schemas.openxmlformats.org/officeDocument/2006/relationships" xmlns:p="http://schemas.openxmlformats.org/presentationml/2006/main">
+  <p:cSld>
+    <p:bg>
+      <p:bgPr>
+        <a:blipFill dpi="0" rotWithShape="1">
+          <a:blip r:embed="rId2">
+            <a:alphaModFix amt="79000"/>
+            <a:lum/>
+          </a:blip>
+          <a:srcRect/>
+          <a:tile tx="0" ty="0" sx="100000" sy="100000" flip="none" algn="tl"/>
+        </a:blipFill>
+        <a:effectLst/>
+      </p:bgPr>
+    </p:bg>
+    <p:spTree>
+      <p:nvGrpSpPr>
+        <p:cNvPr id="1" name=""/>
+        <p:cNvGrpSpPr/>
+        <p:nvPr/>
+      </p:nvGrpSpPr>
+      <p:grpSpPr>
+        <a:xfrm>
+          <a:off x="0" y="0"/>
+          <a:ext cx="0" cy="0"/>
+          <a:chOff x="0" y="0"/>
+          <a:chExt cx="0" cy="0"/>
+        </a:xfrm>
+      </p:grpSpPr>
+      <p:sp>
+        <p:nvSpPr>
+          <p:cNvPr id="2" name="pole tekstowe 1">
+            <a:extLst>
+              <a:ext uri="{FF2B5EF4-FFF2-40B4-BE49-F238E27FC236}">
+                <a16:creationId xmlns:a16="http://schemas.microsoft.com/office/drawing/2014/main" id="{39CF92C7-6638-472D-8647-DE82A4A2B39C}"/>
+              </a:ext>
+            </a:extLst>
+          </p:cNvPr>
+          <p:cNvSpPr txBox="1"/>
+          <p:nvPr/>
+        </p:nvSpPr>
+        <p:spPr>
+          <a:xfrm>
+            <a:off x="3769079" y="344043"/>
+            <a:ext cx="4653838" cy="861774"/>
+          </a:xfrm>
+          <a:prstGeom prst="rect">
+            <a:avLst/>
+          </a:prstGeom>
+          <a:noFill/>
+        </p:spPr>
+        <p:txBody>
+          <a:bodyPr wrap="none" rtlCol="0">
+            <a:spAutoFit/>
+          </a:bodyPr>
+          <a:lstStyle/>
+          <a:p>
+            <a:r>
+              <a:rPr lang="pl-PL" sz="5000" b="1" dirty="0"/>
+              <a:t>DOCUMENTACJA</a:t>
+            </a:r>
+            <a:endParaRPr lang="ru-RU" sz="5000" b="1" dirty="0"/>
+          </a:p>
+        </p:txBody>
+      </p:sp>
+      <p:sp>
+        <p:nvSpPr>
+          <p:cNvPr id="3" name="pole tekstowe 2">
+            <a:extLst>
+              <a:ext uri="{FF2B5EF4-FFF2-40B4-BE49-F238E27FC236}">
+                <a16:creationId xmlns:a16="http://schemas.microsoft.com/office/drawing/2014/main" id="{3291B2EB-94FB-4A10-AAD6-B13AD5FC560E}"/>
+              </a:ext>
+            </a:extLst>
+          </p:cNvPr>
+          <p:cNvSpPr txBox="1"/>
+          <p:nvPr/>
+        </p:nvSpPr>
+        <p:spPr>
+          <a:xfrm>
+            <a:off x="509789" y="1574143"/>
+            <a:ext cx="11172417" cy="4939814"/>
+          </a:xfrm>
+          <a:prstGeom prst="rect">
+            <a:avLst/>
+          </a:prstGeom>
+          <a:noFill/>
+        </p:spPr>
+        <p:txBody>
+          <a:bodyPr wrap="none" rtlCol="0">
+            <a:spAutoFit/>
+          </a:bodyPr>
+          <a:lstStyle/>
+          <a:p>
+            <a:r>
+              <a:rPr lang="pl-PL" sz="3500" dirty="0"/>
+              <a:t>Dokumentacja która powstała w trakcie wykonania projektu:</a:t>
+            </a:r>
+          </a:p>
+          <a:p>
+            <a:pPr marL="914400" lvl="1" indent="-457200">
+              <a:buFontTx/>
+              <a:buChar char="-"/>
+            </a:pPr>
+            <a:r>
+              <a:rPr lang="pl-PL" sz="3500" dirty="0"/>
+              <a:t>Specyfikacja wymagań.</a:t>
+            </a:r>
+          </a:p>
+          <a:p>
+            <a:pPr marL="914400" lvl="1" indent="-457200">
+              <a:buFontTx/>
+              <a:buChar char="-"/>
+            </a:pPr>
+            <a:r>
+              <a:rPr lang="pl-PL" sz="3500" dirty="0"/>
+              <a:t>Specyfikacja funkcjonalna.</a:t>
+            </a:r>
+            <a:endParaRPr lang="pl-PL" sz="3500" b="1" dirty="0"/>
+          </a:p>
+          <a:p>
+            <a:pPr marL="914400" lvl="1" indent="-457200">
+              <a:buFontTx/>
+              <a:buChar char="-"/>
+            </a:pPr>
+            <a:r>
+              <a:rPr lang="pl-PL" sz="3500" dirty="0"/>
+              <a:t>Opis cech systemu.	</a:t>
+            </a:r>
+          </a:p>
+          <a:p>
+            <a:pPr marL="914400" lvl="1" indent="-457200">
+              <a:buFontTx/>
+              <a:buChar char="-"/>
+            </a:pPr>
+            <a:r>
+              <a:rPr lang="pl-PL" sz="3500" dirty="0"/>
+              <a:t>Model procesów biznesowych.</a:t>
+            </a:r>
+          </a:p>
+          <a:p>
+            <a:pPr marL="914400" lvl="1" indent="-457200">
+              <a:buFontTx/>
+              <a:buChar char="-"/>
+            </a:pPr>
+            <a:r>
+              <a:rPr lang="pl-PL" sz="3500" dirty="0"/>
+              <a:t>Słownik.</a:t>
+            </a:r>
+          </a:p>
+          <a:p>
+            <a:pPr marL="914400" lvl="1" indent="-457200">
+              <a:buFontTx/>
+              <a:buChar char="-"/>
+            </a:pPr>
+            <a:r>
+              <a:rPr lang="pl-PL" sz="3500" dirty="0" err="1"/>
+              <a:t>Use</a:t>
+            </a:r>
+            <a:r>
+              <a:rPr lang="pl-PL" sz="3500" dirty="0"/>
+              <a:t> </a:t>
+            </a:r>
+            <a:r>
+              <a:rPr lang="pl-PL" sz="3500" dirty="0" err="1"/>
+              <a:t>Case’y</a:t>
+            </a:r>
+            <a:r>
+              <a:rPr lang="pl-PL" sz="3500" dirty="0"/>
+              <a:t>.</a:t>
+            </a:r>
+          </a:p>
+          <a:p>
+            <a:pPr marL="914400" lvl="1" indent="-457200">
+              <a:buFontTx/>
+              <a:buChar char="-"/>
+            </a:pPr>
+            <a:r>
+              <a:rPr lang="pl-PL" sz="3500" dirty="0"/>
+              <a:t>Diagram </a:t>
+            </a:r>
+            <a:r>
+              <a:rPr lang="pl-PL" sz="3500" dirty="0" err="1"/>
+              <a:t>klass</a:t>
+            </a:r>
+            <a:r>
+              <a:rPr lang="pl-PL" sz="3500" dirty="0"/>
+              <a:t>.</a:t>
+            </a:r>
+          </a:p>
+          <a:p>
+            <a:pPr marL="914400" lvl="1" indent="-457200">
+              <a:buFontTx/>
+              <a:buChar char="-"/>
+            </a:pPr>
+            <a:r>
+              <a:rPr lang="pl-PL" sz="3500" dirty="0"/>
+              <a:t>Sprawozdanie.</a:t>
+            </a:r>
+          </a:p>
+        </p:txBody>
+      </p:sp>
+    </p:spTree>
+    <p:extLst>
+      <p:ext uri="{BB962C8B-B14F-4D97-AF65-F5344CB8AC3E}">
+        <p14:creationId xmlns:p14="http://schemas.microsoft.com/office/powerpoint/2010/main" val="2248150334"/>
+      </p:ext>
+    </p:extLst>
+  </p:cSld>
+  <p:clrMapOvr>
+    <a:masterClrMapping/>
+  </p:clrMapOvr>
+  <p:timing>
+    <p:tnLst>
+      <p:par>
+        <p:cTn id="1" dur="indefinite" restart="never" nodeType="tmRoot">
+          <p:childTnLst>
+            <p:seq concurrent="1" nextAc="seek">
+              <p:cTn id="2" dur="indefinite" nodeType="mainSeq">
+                <p:childTnLst>
+                  <p:par>
+                    <p:cTn id="3" fill="hold">
+                      <p:stCondLst>
+                        <p:cond delay="indefinite"/>
+                        <p:cond evt="onBegin" delay="0">
+                          <p:tn val="2"/>
+                        </p:cond>
+                      </p:stCondLst>
+                      <p:childTnLst>
+                        <p:par>
+                          <p:cTn id="4" fill="hold">
+                            <p:stCondLst>
+                              <p:cond delay="0"/>
+                            </p:stCondLst>
+                            <p:childTnLst>
+                              <p:par>
+                                <p:cTn id="5" presetID="14" presetClass="entr" presetSubtype="10" fill="hold" grpId="0" nodeType="afterEffect">
+                                  <p:stCondLst>
+                                    <p:cond delay="0"/>
+                                  </p:stCondLst>
+                                  <p:childTnLst>
+                                    <p:set>
+                                      <p:cBhvr>
+                                        <p:cTn id="6" dur="1" fill="hold">
+                                          <p:stCondLst>
+                                            <p:cond delay="0"/>
+                                          </p:stCondLst>
+                                        </p:cTn>
+                                        <p:tgtEl>
+                                          <p:spTgt spid="3"/>
+                                        </p:tgtEl>
+                                        <p:attrNameLst>
+                                          <p:attrName>style.visibility</p:attrName>
+                                        </p:attrNameLst>
+                                      </p:cBhvr>
+                                      <p:to>
+                                        <p:strVal val="visible"/>
+                                      </p:to>
+                                    </p:set>
+                                    <p:animEffect transition="in" filter="randombar(horizontal)">
+                                      <p:cBhvr>
+                                        <p:cTn id="7" dur="400"/>
+                                        <p:tgtEl>
+                                          <p:spTgt spid="3"/>
+                                        </p:tgtEl>
+                                      </p:cBhvr>
+                                    </p:animEffect>
+                                  </p:childTnLst>
+                                </p:cTn>
+                              </p:par>
+                            </p:childTnLst>
+                          </p:cTn>
+                        </p:par>
+                      </p:childTnLst>
+                    </p:cTn>
+                  </p:par>
+                </p:childTnLst>
+              </p:cTn>
+              <p:prevCondLst>
+                <p:cond evt="onPrev" delay="0">
+                  <p:tgtEl>
+                    <p:sldTgt/>
+                  </p:tgtEl>
+                </p:cond>
+              </p:prevCondLst>
+              <p:nextCondLst>
+                <p:cond evt="onNext" delay="0">
+                  <p:tgtEl>
+                    <p:sldTgt/>
+                  </p:tgtEl>
+                </p:cond>
+              </p:nextCondLst>
+            </p:seq>
+          </p:childTnLst>
+        </p:cTn>
+      </p:par>
+    </p:tnLst>
+    <p:bldLst>
+      <p:bldP spid="3" grpId="0"/>
+    </p:bldLst>
+  </p:timing>
+</p:sld>
+</file>
+
+<file path=ppt/slides/slide12.xml><?xml version="1.0" encoding="utf-8"?>
+<p:sld xmlns:a="http://schemas.openxmlformats.org/drawingml/2006/main" xmlns:r="http://schemas.openxmlformats.org/officeDocument/2006/relationships" xmlns:p="http://schemas.openxmlformats.org/presentationml/2006/main">
+  <p:cSld>
+    <p:bg>
+      <p:bgPr>
+        <a:blipFill dpi="0" rotWithShape="1">
+          <a:blip r:embed="rId2">
+            <a:alphaModFix amt="79000"/>
+            <a:lum/>
+          </a:blip>
+          <a:srcRect/>
+          <a:tile tx="0" ty="0" sx="100000" sy="100000" flip="none" algn="tl"/>
+        </a:blipFill>
+        <a:effectLst/>
+      </p:bgPr>
+    </p:bg>
+    <p:spTree>
+      <p:nvGrpSpPr>
+        <p:cNvPr id="1" name=""/>
+        <p:cNvGrpSpPr/>
+        <p:nvPr/>
+      </p:nvGrpSpPr>
+      <p:grpSpPr>
+        <a:xfrm>
+          <a:off x="0" y="0"/>
+          <a:ext cx="0" cy="0"/>
+          <a:chOff x="0" y="0"/>
+          <a:chExt cx="0" cy="0"/>
+        </a:xfrm>
+      </p:grpSpPr>
+      <p:sp>
+        <p:nvSpPr>
+          <p:cNvPr id="3" name="pole tekstowe 2">
+            <a:extLst>
+              <a:ext uri="{FF2B5EF4-FFF2-40B4-BE49-F238E27FC236}">
+                <a16:creationId xmlns:a16="http://schemas.microsoft.com/office/drawing/2014/main" id="{DB99C799-9A24-4B54-B9EF-FA675CBE7BFE}"/>
+              </a:ext>
+            </a:extLst>
+          </p:cNvPr>
+          <p:cNvSpPr txBox="1"/>
+          <p:nvPr/>
+        </p:nvSpPr>
+        <p:spPr>
+          <a:xfrm>
+            <a:off x="4446798" y="369443"/>
+            <a:ext cx="3298403" cy="861774"/>
+          </a:xfrm>
+          <a:prstGeom prst="rect">
+            <a:avLst/>
+          </a:prstGeom>
+          <a:noFill/>
+        </p:spPr>
+        <p:txBody>
+          <a:bodyPr wrap="none" rtlCol="0">
+            <a:spAutoFit/>
+          </a:bodyPr>
+          <a:lstStyle/>
+          <a:p>
+            <a:r>
+              <a:rPr lang="pl-PL" sz="5000" b="1" dirty="0"/>
+              <a:t>4. ITERACJA</a:t>
+            </a:r>
+            <a:endParaRPr lang="ru-RU" sz="5000" b="1" dirty="0"/>
+          </a:p>
+        </p:txBody>
+      </p:sp>
+      <p:sp>
+        <p:nvSpPr>
+          <p:cNvPr id="4" name="pole tekstowe 3">
+            <a:extLst>
+              <a:ext uri="{FF2B5EF4-FFF2-40B4-BE49-F238E27FC236}">
+                <a16:creationId xmlns:a16="http://schemas.microsoft.com/office/drawing/2014/main" id="{338679EA-75A4-487C-800E-DD0F1595254F}"/>
+              </a:ext>
+            </a:extLst>
+          </p:cNvPr>
+          <p:cNvSpPr txBox="1"/>
+          <p:nvPr/>
+        </p:nvSpPr>
+        <p:spPr>
+          <a:xfrm>
+            <a:off x="3996546" y="2844224"/>
+            <a:ext cx="4198906" cy="1169551"/>
+          </a:xfrm>
+          <a:prstGeom prst="rect">
+            <a:avLst/>
+          </a:prstGeom>
+          <a:noFill/>
+        </p:spPr>
+        <p:txBody>
+          <a:bodyPr wrap="none" rtlCol="0">
+            <a:spAutoFit/>
+          </a:bodyPr>
+          <a:lstStyle/>
+          <a:p>
+            <a:pPr marL="285750" indent="-285750">
+              <a:buFontTx/>
+              <a:buChar char="-"/>
+            </a:pPr>
+            <a:r>
+              <a:rPr lang="pl-PL" sz="3500" dirty="0" err="1"/>
+              <a:t>Refaktoring</a:t>
+            </a:r>
+            <a:r>
+              <a:rPr lang="pl-PL" sz="3500" dirty="0"/>
+              <a:t> kodu.</a:t>
+            </a:r>
+          </a:p>
+          <a:p>
+            <a:pPr marL="285750" indent="-285750">
+              <a:buFontTx/>
+              <a:buChar char="-"/>
+            </a:pPr>
+            <a:r>
+              <a:rPr lang="pl-PL" sz="3500" dirty="0"/>
+              <a:t>Testowanie aplikacji.</a:t>
+            </a:r>
+            <a:endParaRPr lang="ru-RU" sz="3500" dirty="0"/>
+          </a:p>
+        </p:txBody>
+      </p:sp>
+    </p:spTree>
+    <p:extLst>
+      <p:ext uri="{BB962C8B-B14F-4D97-AF65-F5344CB8AC3E}">
+        <p14:creationId xmlns:p14="http://schemas.microsoft.com/office/powerpoint/2010/main" val="2646322465"/>
+      </p:ext>
+    </p:extLst>
+  </p:cSld>
+  <p:clrMapOvr>
+    <a:masterClrMapping/>
+  </p:clrMapOvr>
+  <p:timing>
+    <p:tnLst>
+      <p:par>
+        <p:cTn id="1" dur="indefinite" restart="never" nodeType="tmRoot">
+          <p:childTnLst>
+            <p:seq concurrent="1" nextAc="seek">
+              <p:cTn id="2" dur="indefinite" nodeType="mainSeq">
+                <p:childTnLst>
+                  <p:par>
+                    <p:cTn id="3" fill="hold">
+                      <p:stCondLst>
+                        <p:cond delay="indefinite"/>
+                        <p:cond evt="onBegin" delay="0">
+                          <p:tn val="2"/>
+                        </p:cond>
+                      </p:stCondLst>
+                      <p:childTnLst>
+                        <p:par>
+                          <p:cTn id="4" fill="hold">
+                            <p:stCondLst>
+                              <p:cond delay="0"/>
+                            </p:stCondLst>
+                            <p:childTnLst>
+                              <p:par>
+                                <p:cTn id="5" presetID="14" presetClass="entr" presetSubtype="10" fill="hold" grpId="0" nodeType="afterEffect">
+                                  <p:stCondLst>
+                                    <p:cond delay="0"/>
+                                  </p:stCondLst>
+                                  <p:childTnLst>
+                                    <p:set>
+                                      <p:cBhvr>
+                                        <p:cTn id="6" dur="1" fill="hold">
+                                          <p:stCondLst>
+                                            <p:cond delay="0"/>
+                                          </p:stCondLst>
+                                        </p:cTn>
+                                        <p:tgtEl>
+                                          <p:spTgt spid="4"/>
+                                        </p:tgtEl>
+                                        <p:attrNameLst>
+                                          <p:attrName>style.visibility</p:attrName>
+                                        </p:attrNameLst>
+                                      </p:cBhvr>
+                                      <p:to>
+                                        <p:strVal val="visible"/>
+                                      </p:to>
+                                    </p:set>
+                                    <p:animEffect transition="in" filter="randombar(horizontal)">
+                                      <p:cBhvr>
+                                        <p:cTn id="7" dur="400"/>
+                                        <p:tgtEl>
+                                          <p:spTgt spid="4"/>
+                                        </p:tgtEl>
+                                      </p:cBhvr>
+                                    </p:animEffect>
+                                  </p:childTnLst>
+                                </p:cTn>
+                              </p:par>
+                            </p:childTnLst>
+                          </p:cTn>
+                        </p:par>
+                      </p:childTnLst>
+                    </p:cTn>
+                  </p:par>
+                </p:childTnLst>
+              </p:cTn>
+              <p:prevCondLst>
+                <p:cond evt="onPrev" delay="0">
+                  <p:tgtEl>
+                    <p:sldTgt/>
+                  </p:tgtEl>
+                </p:cond>
+              </p:prevCondLst>
+              <p:nextCondLst>
+                <p:cond evt="onNext" delay="0">
+                  <p:tgtEl>
+                    <p:sldTgt/>
+                  </p:tgtEl>
+                </p:cond>
+              </p:nextCondLst>
+            </p:seq>
+          </p:childTnLst>
+        </p:cTn>
+      </p:par>
+    </p:tnLst>
+    <p:bldLst>
+      <p:bldP spid="4" grpId="0"/>
+    </p:bldLst>
+  </p:timing>
+</p:sld>
+</file>
+
+<file path=ppt/slides/slide13.xml><?xml version="1.0" encoding="utf-8"?>
+<p:sld xmlns:a="http://schemas.openxmlformats.org/drawingml/2006/main" xmlns:r="http://schemas.openxmlformats.org/officeDocument/2006/relationships" xmlns:p="http://schemas.openxmlformats.org/presentationml/2006/main">
+  <p:cSld>
+    <p:bg>
+      <p:bgPr>
+        <a:blipFill dpi="0" rotWithShape="1">
+          <a:blip r:embed="rId2">
+            <a:alphaModFix amt="79000"/>
+            <a:lum/>
+          </a:blip>
+          <a:srcRect/>
+          <a:tile tx="0" ty="0" sx="100000" sy="100000" flip="none" algn="tl"/>
+        </a:blipFill>
+        <a:effectLst/>
+      </p:bgPr>
+    </p:bg>
+    <p:spTree>
+      <p:nvGrpSpPr>
+        <p:cNvPr id="1" name=""/>
+        <p:cNvGrpSpPr/>
+        <p:nvPr/>
+      </p:nvGrpSpPr>
+      <p:grpSpPr>
+        <a:xfrm>
+          <a:off x="0" y="0"/>
+          <a:ext cx="0" cy="0"/>
+          <a:chOff x="0" y="0"/>
+          <a:chExt cx="0" cy="0"/>
+        </a:xfrm>
+      </p:grpSpPr>
+      <p:sp>
+        <p:nvSpPr>
+          <p:cNvPr id="3" name="pole tekstowe 2">
+            <a:extLst>
+              <a:ext uri="{FF2B5EF4-FFF2-40B4-BE49-F238E27FC236}">
+                <a16:creationId xmlns:a16="http://schemas.microsoft.com/office/drawing/2014/main" id="{AADB1B61-54F6-4615-BBEC-E40C99C523AF}"/>
+              </a:ext>
+            </a:extLst>
+          </p:cNvPr>
+          <p:cNvSpPr txBox="1"/>
+          <p:nvPr/>
+        </p:nvSpPr>
+        <p:spPr>
+          <a:xfrm>
+            <a:off x="4446798" y="369443"/>
+            <a:ext cx="3298403" cy="861774"/>
+          </a:xfrm>
+          <a:prstGeom prst="rect">
+            <a:avLst/>
+          </a:prstGeom>
+          <a:noFill/>
+        </p:spPr>
+        <p:txBody>
+          <a:bodyPr wrap="none" rtlCol="0">
+            <a:spAutoFit/>
+          </a:bodyPr>
+          <a:lstStyle/>
+          <a:p>
+            <a:r>
+              <a:rPr lang="pl-PL" sz="5000" b="1" dirty="0"/>
+              <a:t>5. ITERACJA</a:t>
+            </a:r>
+            <a:endParaRPr lang="ru-RU" sz="5000" b="1" dirty="0"/>
+          </a:p>
+        </p:txBody>
+      </p:sp>
+      <p:sp>
+        <p:nvSpPr>
+          <p:cNvPr id="4" name="pole tekstowe 3">
+            <a:extLst>
+              <a:ext uri="{FF2B5EF4-FFF2-40B4-BE49-F238E27FC236}">
+                <a16:creationId xmlns:a16="http://schemas.microsoft.com/office/drawing/2014/main" id="{A340E082-F646-4863-BCE4-4F87F93918AC}"/>
+              </a:ext>
+            </a:extLst>
+          </p:cNvPr>
+          <p:cNvSpPr txBox="1"/>
+          <p:nvPr/>
+        </p:nvSpPr>
+        <p:spPr>
+          <a:xfrm>
+            <a:off x="3108290" y="2831304"/>
+            <a:ext cx="5975418" cy="1195392"/>
+          </a:xfrm>
+          <a:prstGeom prst="rect">
+            <a:avLst/>
+          </a:prstGeom>
+          <a:noFill/>
+        </p:spPr>
+        <p:txBody>
+          <a:bodyPr wrap="none" rtlCol="0">
+            <a:spAutoFit/>
+          </a:bodyPr>
+          <a:lstStyle/>
+          <a:p>
+            <a:pPr marL="457200" indent="-457200">
+              <a:buFontTx/>
+              <a:buChar char="-"/>
+            </a:pPr>
+            <a:r>
+              <a:rPr lang="pl-PL" sz="3500" dirty="0"/>
+              <a:t>Powstanie </a:t>
+            </a:r>
+            <a:r>
+              <a:rPr lang="pl-PL" sz="3668" dirty="0"/>
+              <a:t>prezentacji</a:t>
+            </a:r>
+            <a:r>
+              <a:rPr lang="pl-PL" sz="3500" dirty="0"/>
+              <a:t>.</a:t>
+            </a:r>
+          </a:p>
+          <a:p>
+            <a:pPr marL="457200" indent="-457200">
+              <a:buFontTx/>
+              <a:buChar char="-"/>
+            </a:pPr>
+            <a:r>
+              <a:rPr lang="pl-PL" sz="3500" dirty="0"/>
+              <a:t>Dopracowanie sprawozdania.</a:t>
+            </a:r>
+            <a:endParaRPr lang="ru-RU" sz="3500" dirty="0"/>
+          </a:p>
+        </p:txBody>
+      </p:sp>
+    </p:spTree>
+    <p:extLst>
+      <p:ext uri="{BB962C8B-B14F-4D97-AF65-F5344CB8AC3E}">
+        <p14:creationId xmlns:p14="http://schemas.microsoft.com/office/powerpoint/2010/main" val="1348490487"/>
+      </p:ext>
+    </p:extLst>
+  </p:cSld>
+  <p:clrMapOvr>
+    <a:masterClrMapping/>
+  </p:clrMapOvr>
+  <p:timing>
+    <p:tnLst>
+      <p:par>
+        <p:cTn id="1" dur="indefinite" restart="never" nodeType="tmRoot">
+          <p:childTnLst>
+            <p:seq concurrent="1" nextAc="seek">
+              <p:cTn id="2" dur="indefinite" nodeType="mainSeq">
+                <p:childTnLst>
+                  <p:par>
+                    <p:cTn id="3" fill="hold">
+                      <p:stCondLst>
+                        <p:cond delay="indefinite"/>
+                        <p:cond evt="onBegin" delay="0">
+                          <p:tn val="2"/>
+                        </p:cond>
+                      </p:stCondLst>
+                      <p:childTnLst>
+                        <p:par>
+                          <p:cTn id="4" fill="hold">
+                            <p:stCondLst>
+                              <p:cond delay="0"/>
+                            </p:stCondLst>
+                            <p:childTnLst>
+                              <p:par>
+                                <p:cTn id="5" presetID="14" presetClass="entr" presetSubtype="10" fill="hold" grpId="0" nodeType="afterEffect">
+                                  <p:stCondLst>
+                                    <p:cond delay="0"/>
+                                  </p:stCondLst>
+                                  <p:childTnLst>
+                                    <p:set>
+                                      <p:cBhvr>
+                                        <p:cTn id="6" dur="1" fill="hold">
+                                          <p:stCondLst>
+                                            <p:cond delay="0"/>
+                                          </p:stCondLst>
+                                        </p:cTn>
+                                        <p:tgtEl>
+                                          <p:spTgt spid="4"/>
+                                        </p:tgtEl>
+                                        <p:attrNameLst>
+                                          <p:attrName>style.visibility</p:attrName>
+                                        </p:attrNameLst>
+                                      </p:cBhvr>
+                                      <p:to>
+                                        <p:strVal val="visible"/>
+                                      </p:to>
+                                    </p:set>
+                                    <p:animEffect transition="in" filter="randombar(horizontal)">
+                                      <p:cBhvr>
+                                        <p:cTn id="7" dur="400"/>
+                                        <p:tgtEl>
+                                          <p:spTgt spid="4"/>
+                                        </p:tgtEl>
+                                      </p:cBhvr>
+                                    </p:animEffect>
+                                  </p:childTnLst>
+                                </p:cTn>
+                              </p:par>
+                            </p:childTnLst>
+                          </p:cTn>
+                        </p:par>
+                      </p:childTnLst>
+                    </p:cTn>
+                  </p:par>
+                </p:childTnLst>
+              </p:cTn>
+              <p:prevCondLst>
+                <p:cond evt="onPrev" delay="0">
+                  <p:tgtEl>
+                    <p:sldTgt/>
+                  </p:tgtEl>
+                </p:cond>
+              </p:prevCondLst>
+              <p:nextCondLst>
+                <p:cond evt="onNext" delay="0">
+                  <p:tgtEl>
+                    <p:sldTgt/>
+                  </p:tgtEl>
+                </p:cond>
+              </p:nextCondLst>
+            </p:seq>
+          </p:childTnLst>
+        </p:cTn>
+      </p:par>
+    </p:tnLst>
+    <p:bldLst>
+      <p:bldP spid="4" grpId="0"/>
+    </p:bldLst>
+  </p:timing>
+</p:sld>
+</file>
+
+<file path=ppt/slides/slide14.xml><?xml version="1.0" encoding="utf-8"?>
+<p:sld xmlns:a="http://schemas.openxmlformats.org/drawingml/2006/main" xmlns:r="http://schemas.openxmlformats.org/officeDocument/2006/relationships" xmlns:p="http://schemas.openxmlformats.org/presentationml/2006/main">
+  <p:cSld>
+    <p:bg>
+      <p:bgPr>
+        <a:blipFill dpi="0" rotWithShape="1">
+          <a:blip r:embed="rId2">
+            <a:alphaModFix amt="79000"/>
+            <a:lum/>
+          </a:blip>
+          <a:srcRect/>
+          <a:tile tx="0" ty="0" sx="100000" sy="100000" flip="none" algn="tl"/>
+        </a:blipFill>
+        <a:effectLst/>
+      </p:bgPr>
+    </p:bg>
+    <p:spTree>
+      <p:nvGrpSpPr>
+        <p:cNvPr id="1" name=""/>
+        <p:cNvGrpSpPr/>
+        <p:nvPr/>
+      </p:nvGrpSpPr>
+      <p:grpSpPr>
+        <a:xfrm>
+          <a:off x="0" y="0"/>
+          <a:ext cx="0" cy="0"/>
+          <a:chOff x="0" y="0"/>
+          <a:chExt cx="0" cy="0"/>
+        </a:xfrm>
+      </p:grpSpPr>
+      <p:sp>
+        <p:nvSpPr>
+          <p:cNvPr id="5" name="pole tekstowe 4">
+            <a:extLst>
+              <a:ext uri="{FF2B5EF4-FFF2-40B4-BE49-F238E27FC236}">
+                <a16:creationId xmlns:a16="http://schemas.microsoft.com/office/drawing/2014/main" id="{4646E5AD-5B5B-4D5E-9EAB-FB07FF1B49CA}"/>
+              </a:ext>
+            </a:extLst>
+          </p:cNvPr>
+          <p:cNvSpPr txBox="1"/>
+          <p:nvPr/>
+        </p:nvSpPr>
+        <p:spPr>
+          <a:xfrm>
+            <a:off x="1275289" y="2998113"/>
+            <a:ext cx="9641422" cy="861774"/>
+          </a:xfrm>
+          <a:prstGeom prst="rect">
+            <a:avLst/>
+          </a:prstGeom>
+          <a:noFill/>
+        </p:spPr>
+        <p:txBody>
+          <a:bodyPr wrap="none" rtlCol="0">
+            <a:spAutoFit/>
+          </a:bodyPr>
+          <a:lstStyle/>
+          <a:p>
+            <a:r>
+              <a:rPr lang="pl-PL" sz="5000" b="1" dirty="0"/>
+              <a:t>PREZENTACJA DZIAŁANIA APLIKACJI</a:t>
+            </a:r>
+            <a:endParaRPr lang="ru-RU" sz="5000" b="1" dirty="0"/>
+          </a:p>
+        </p:txBody>
+      </p:sp>
+    </p:spTree>
+    <p:extLst>
+      <p:ext uri="{BB962C8B-B14F-4D97-AF65-F5344CB8AC3E}">
+        <p14:creationId xmlns:p14="http://schemas.microsoft.com/office/powerpoint/2010/main" val="3550704835"/>
+      </p:ext>
+    </p:extLst>
+  </p:cSld>
+  <p:clrMapOvr>
+    <a:masterClrMapping/>
+  </p:clrMapOvr>
+</p:sld>
+</file>
+
+<file path=ppt/slides/slide15.xml><?xml version="1.0" encoding="utf-8"?>
+<p:sld xmlns:a="http://schemas.openxmlformats.org/drawingml/2006/main" xmlns:r="http://schemas.openxmlformats.org/officeDocument/2006/relationships" xmlns:p="http://schemas.openxmlformats.org/presentationml/2006/main">
+  <p:cSld>
+    <p:bg>
+      <p:bgPr>
+        <a:blipFill dpi="0" rotWithShape="1">
+          <a:blip r:embed="rId2">
+            <a:alphaModFix amt="79000"/>
+            <a:lum/>
+          </a:blip>
+          <a:srcRect/>
+          <a:tile tx="0" ty="0" sx="100000" sy="100000" flip="none" algn="tl"/>
+        </a:blipFill>
+        <a:effectLst/>
+      </p:bgPr>
+    </p:bg>
+    <p:spTree>
+      <p:nvGrpSpPr>
+        <p:cNvPr id="1" name=""/>
+        <p:cNvGrpSpPr/>
+        <p:nvPr/>
+      </p:nvGrpSpPr>
+      <p:grpSpPr>
+        <a:xfrm>
+          <a:off x="0" y="0"/>
+          <a:ext cx="0" cy="0"/>
+          <a:chOff x="0" y="0"/>
+          <a:chExt cx="0" cy="0"/>
+        </a:xfrm>
+      </p:grpSpPr>
+      <p:sp>
+        <p:nvSpPr>
+          <p:cNvPr id="3" name="pole tekstowe 2">
+            <a:extLst>
+              <a:ext uri="{FF2B5EF4-FFF2-40B4-BE49-F238E27FC236}">
+                <a16:creationId xmlns:a16="http://schemas.microsoft.com/office/drawing/2014/main" id="{AADB1B61-54F6-4615-BBEC-E40C99C523AF}"/>
+              </a:ext>
+            </a:extLst>
+          </p:cNvPr>
+          <p:cNvSpPr txBox="1"/>
+          <p:nvPr/>
+        </p:nvSpPr>
+        <p:spPr>
+          <a:xfrm>
+            <a:off x="373438" y="191643"/>
+            <a:ext cx="11445121" cy="861774"/>
+          </a:xfrm>
+          <a:prstGeom prst="rect">
+            <a:avLst/>
+          </a:prstGeom>
+          <a:noFill/>
+        </p:spPr>
+        <p:txBody>
+          <a:bodyPr wrap="none" rtlCol="0">
+            <a:spAutoFit/>
+          </a:bodyPr>
+          <a:lstStyle/>
+          <a:p>
+            <a:r>
+              <a:rPr lang="pl-PL" sz="5000" b="1" dirty="0"/>
+              <a:t>PROBLEMY PODCZAS ROBIENIA PROJEKTU</a:t>
+            </a:r>
+            <a:endParaRPr lang="ru-RU" sz="5000" b="1" dirty="0"/>
+          </a:p>
+        </p:txBody>
+      </p:sp>
+      <p:sp>
+        <p:nvSpPr>
+          <p:cNvPr id="4" name="pole tekstowe 3">
+            <a:extLst>
+              <a:ext uri="{FF2B5EF4-FFF2-40B4-BE49-F238E27FC236}">
+                <a16:creationId xmlns:a16="http://schemas.microsoft.com/office/drawing/2014/main" id="{A340E082-F646-4863-BCE4-4F87F93918AC}"/>
+              </a:ext>
+            </a:extLst>
+          </p:cNvPr>
+          <p:cNvSpPr txBox="1"/>
+          <p:nvPr/>
+        </p:nvSpPr>
+        <p:spPr>
+          <a:xfrm>
+            <a:off x="373438" y="2132804"/>
+            <a:ext cx="6891567" cy="630942"/>
+          </a:xfrm>
+          <a:prstGeom prst="rect">
+            <a:avLst/>
+          </a:prstGeom>
+          <a:noFill/>
+        </p:spPr>
+        <p:txBody>
+          <a:bodyPr wrap="none" rtlCol="0">
+            <a:spAutoFit/>
+          </a:bodyPr>
+          <a:lstStyle/>
+          <a:p>
+            <a:r>
+              <a:rPr lang="pl-PL" sz="3500" b="1" u="sng" dirty="0"/>
+              <a:t>Problem 1. :</a:t>
+            </a:r>
+            <a:r>
+              <a:rPr lang="pl-PL" sz="3500" dirty="0"/>
+              <a:t> Wybór tematy aplikacji.</a:t>
+            </a:r>
+          </a:p>
+        </p:txBody>
+      </p:sp>
+      <p:sp>
+        <p:nvSpPr>
+          <p:cNvPr id="5" name="pole tekstowe 4">
+            <a:extLst>
+              <a:ext uri="{FF2B5EF4-FFF2-40B4-BE49-F238E27FC236}">
+                <a16:creationId xmlns:a16="http://schemas.microsoft.com/office/drawing/2014/main" id="{BE681DC8-DDCD-4273-AAB4-FED76B94BBAC}"/>
+              </a:ext>
+            </a:extLst>
+          </p:cNvPr>
+          <p:cNvSpPr txBox="1"/>
+          <p:nvPr/>
+        </p:nvSpPr>
+        <p:spPr>
+          <a:xfrm>
+            <a:off x="373438" y="3654662"/>
+            <a:ext cx="11119904" cy="1169551"/>
+          </a:xfrm>
+          <a:prstGeom prst="rect">
+            <a:avLst/>
+          </a:prstGeom>
+          <a:noFill/>
+        </p:spPr>
+        <p:txBody>
+          <a:bodyPr wrap="none" rtlCol="0">
+            <a:spAutoFit/>
+          </a:bodyPr>
+          <a:lstStyle/>
+          <a:p>
+            <a:r>
+              <a:rPr lang="pl-PL" sz="3500" b="1" u="sng" dirty="0"/>
+              <a:t>Rozwiązanie:</a:t>
+            </a:r>
+            <a:r>
+              <a:rPr lang="pl-PL" sz="3500" dirty="0"/>
+              <a:t> Kilkakrotnie przedyskutowanie, głosowanie za </a:t>
+            </a:r>
+          </a:p>
+          <a:p>
+            <a:r>
+              <a:rPr lang="pl-PL" sz="3500" dirty="0"/>
+              <a:t>		       lepszą wersję.</a:t>
+            </a:r>
+          </a:p>
+        </p:txBody>
+      </p:sp>
+    </p:spTree>
+    <p:extLst>
+      <p:ext uri="{BB962C8B-B14F-4D97-AF65-F5344CB8AC3E}">
+        <p14:creationId xmlns:p14="http://schemas.microsoft.com/office/powerpoint/2010/main" val="1485277804"/>
+      </p:ext>
+    </p:extLst>
+  </p:cSld>
+  <p:clrMapOvr>
+    <a:masterClrMapping/>
+  </p:clrMapOvr>
+  <p:timing>
+    <p:tnLst>
+      <p:par>
+        <p:cTn id="1" dur="indefinite" restart="never" nodeType="tmRoot">
+          <p:childTnLst>
+            <p:seq concurrent="1" nextAc="seek">
+              <p:cTn id="2" dur="indefinite" nodeType="mainSeq">
+                <p:childTnLst>
+                  <p:par>
+                    <p:cTn id="3" fill="hold">
+                      <p:stCondLst>
+                        <p:cond delay="indefinite"/>
+                        <p:cond evt="onBegin" delay="0">
+                          <p:tn val="2"/>
+                        </p:cond>
+                      </p:stCondLst>
+                      <p:childTnLst>
+                        <p:par>
+                          <p:cTn id="4" fill="hold">
+                            <p:stCondLst>
+                              <p:cond delay="0"/>
+                            </p:stCondLst>
+                            <p:childTnLst>
+                              <p:par>
+                                <p:cTn id="5" presetID="14" presetClass="entr" presetSubtype="10" fill="hold" grpId="0" nodeType="afterEffect">
+                                  <p:stCondLst>
+                                    <p:cond delay="0"/>
+                                  </p:stCondLst>
+                                  <p:childTnLst>
+                                    <p:set>
+                                      <p:cBhvr>
+                                        <p:cTn id="6" dur="1" fill="hold">
+                                          <p:stCondLst>
+                                            <p:cond delay="0"/>
+                                          </p:stCondLst>
+                                        </p:cTn>
+                                        <p:tgtEl>
+                                          <p:spTgt spid="4"/>
+                                        </p:tgtEl>
+                                        <p:attrNameLst>
+                                          <p:attrName>style.visibility</p:attrName>
+                                        </p:attrNameLst>
+                                      </p:cBhvr>
+                                      <p:to>
+                                        <p:strVal val="visible"/>
+                                      </p:to>
+                                    </p:set>
+                                    <p:animEffect transition="in" filter="randombar(horizontal)">
+                                      <p:cBhvr>
+                                        <p:cTn id="7" dur="400"/>
+                                        <p:tgtEl>
+                                          <p:spTgt spid="4"/>
+                                        </p:tgtEl>
+                                      </p:cBhvr>
+                                    </p:animEffect>
+                                  </p:childTnLst>
+                                </p:cTn>
+                              </p:par>
+                            </p:childTnLst>
+                          </p:cTn>
+                        </p:par>
+                      </p:childTnLst>
+                    </p:cTn>
+                  </p:par>
+                  <p:par>
+                    <p:cTn id="8" fill="hold">
+                      <p:stCondLst>
+                        <p:cond delay="indefinite"/>
+                      </p:stCondLst>
+                      <p:childTnLst>
+                        <p:par>
+                          <p:cTn id="9" fill="hold">
+                            <p:stCondLst>
+                              <p:cond delay="0"/>
+                            </p:stCondLst>
+                            <p:childTnLst>
+                              <p:par>
+                                <p:cTn id="10" presetID="14" presetClass="entr" presetSubtype="10" fill="hold" grpId="0" nodeType="clickEffect">
+                                  <p:stCondLst>
+                                    <p:cond delay="0"/>
+                                  </p:stCondLst>
+                                  <p:childTnLst>
+                                    <p:set>
+                                      <p:cBhvr>
+                                        <p:cTn id="11" dur="1" fill="hold">
+                                          <p:stCondLst>
+                                            <p:cond delay="0"/>
+                                          </p:stCondLst>
+                                        </p:cTn>
+                                        <p:tgtEl>
+                                          <p:spTgt spid="5"/>
+                                        </p:tgtEl>
+                                        <p:attrNameLst>
+                                          <p:attrName>style.visibility</p:attrName>
+                                        </p:attrNameLst>
+                                      </p:cBhvr>
+                                      <p:to>
+                                        <p:strVal val="visible"/>
+                                      </p:to>
+                                    </p:set>
+                                    <p:animEffect transition="in" filter="randombar(horizontal)">
+                                      <p:cBhvr>
+                                        <p:cTn id="12" dur="400"/>
+                                        <p:tgtEl>
+                                          <p:spTgt spid="5"/>
+                                        </p:tgtEl>
+                                      </p:cBhvr>
+                                    </p:animEffect>
+                                  </p:childTnLst>
+                                </p:cTn>
+                              </p:par>
+                            </p:childTnLst>
+                          </p:cTn>
+                        </p:par>
+                      </p:childTnLst>
+                    </p:cTn>
+                  </p:par>
+                </p:childTnLst>
+              </p:cTn>
+              <p:prevCondLst>
+                <p:cond evt="onPrev" delay="0">
+                  <p:tgtEl>
+                    <p:sldTgt/>
+                  </p:tgtEl>
+                </p:cond>
+              </p:prevCondLst>
+              <p:nextCondLst>
+                <p:cond evt="onNext" delay="0">
+                  <p:tgtEl>
+                    <p:sldTgt/>
+                  </p:tgtEl>
+                </p:cond>
+              </p:nextCondLst>
+            </p:seq>
+          </p:childTnLst>
+        </p:cTn>
+      </p:par>
+    </p:tnLst>
+    <p:bldLst>
+      <p:bldP spid="4" grpId="0"/>
+      <p:bldP spid="5" grpId="0"/>
+    </p:bldLst>
+  </p:timing>
+</p:sld>
+</file>
+
+<file path=ppt/slides/slide16.xml><?xml version="1.0" encoding="utf-8"?>
+<p:sld xmlns:a="http://schemas.openxmlformats.org/drawingml/2006/main" xmlns:r="http://schemas.openxmlformats.org/officeDocument/2006/relationships" xmlns:p="http://schemas.openxmlformats.org/presentationml/2006/main">
+  <p:cSld>
+    <p:bg>
+      <p:bgPr>
+        <a:blipFill dpi="0" rotWithShape="1">
+          <a:blip r:embed="rId2">
+            <a:alphaModFix amt="79000"/>
+            <a:lum/>
+          </a:blip>
+          <a:srcRect/>
+          <a:tile tx="0" ty="0" sx="100000" sy="100000" flip="none" algn="tl"/>
+        </a:blipFill>
+        <a:effectLst/>
+      </p:bgPr>
+    </p:bg>
+    <p:spTree>
+      <p:nvGrpSpPr>
+        <p:cNvPr id="1" name=""/>
+        <p:cNvGrpSpPr/>
+        <p:nvPr/>
+      </p:nvGrpSpPr>
+      <p:grpSpPr>
+        <a:xfrm>
+          <a:off x="0" y="0"/>
+          <a:ext cx="0" cy="0"/>
+          <a:chOff x="0" y="0"/>
+          <a:chExt cx="0" cy="0"/>
+        </a:xfrm>
+      </p:grpSpPr>
+      <p:sp>
+        <p:nvSpPr>
+          <p:cNvPr id="3" name="pole tekstowe 2">
+            <a:extLst>
+              <a:ext uri="{FF2B5EF4-FFF2-40B4-BE49-F238E27FC236}">
+                <a16:creationId xmlns:a16="http://schemas.microsoft.com/office/drawing/2014/main" id="{AADB1B61-54F6-4615-BBEC-E40C99C523AF}"/>
+              </a:ext>
+            </a:extLst>
+          </p:cNvPr>
+          <p:cNvSpPr txBox="1"/>
+          <p:nvPr/>
+        </p:nvSpPr>
+        <p:spPr>
+          <a:xfrm>
+            <a:off x="373438" y="191643"/>
+            <a:ext cx="11445121" cy="861774"/>
+          </a:xfrm>
+          <a:prstGeom prst="rect">
+            <a:avLst/>
+          </a:prstGeom>
+          <a:noFill/>
+        </p:spPr>
+        <p:txBody>
+          <a:bodyPr wrap="none" rtlCol="0">
+            <a:spAutoFit/>
+          </a:bodyPr>
+          <a:lstStyle/>
+          <a:p>
+            <a:r>
+              <a:rPr lang="pl-PL" sz="5000" b="1" dirty="0"/>
+              <a:t>PROBLEMY PODCZAS ROBIENIA PROJEKTU</a:t>
+            </a:r>
+            <a:endParaRPr lang="ru-RU" sz="5000" b="1" dirty="0"/>
+          </a:p>
+        </p:txBody>
+      </p:sp>
+      <p:sp>
+        <p:nvSpPr>
+          <p:cNvPr id="4" name="pole tekstowe 3">
+            <a:extLst>
+              <a:ext uri="{FF2B5EF4-FFF2-40B4-BE49-F238E27FC236}">
+                <a16:creationId xmlns:a16="http://schemas.microsoft.com/office/drawing/2014/main" id="{A340E082-F646-4863-BCE4-4F87F93918AC}"/>
+              </a:ext>
+            </a:extLst>
+          </p:cNvPr>
+          <p:cNvSpPr txBox="1"/>
+          <p:nvPr/>
+        </p:nvSpPr>
+        <p:spPr>
+          <a:xfrm>
+            <a:off x="373438" y="2132804"/>
+            <a:ext cx="7500387" cy="630942"/>
+          </a:xfrm>
+          <a:prstGeom prst="rect">
+            <a:avLst/>
+          </a:prstGeom>
+          <a:noFill/>
+        </p:spPr>
+        <p:txBody>
+          <a:bodyPr wrap="none" rtlCol="0">
+            <a:spAutoFit/>
+          </a:bodyPr>
+          <a:lstStyle/>
+          <a:p>
+            <a:r>
+              <a:rPr lang="pl-PL" sz="3500" b="1" u="sng" dirty="0"/>
+              <a:t>Problem 2. :</a:t>
+            </a:r>
+            <a:r>
+              <a:rPr lang="pl-PL" sz="3500" dirty="0"/>
+              <a:t> Zły wybór tematu projektu.</a:t>
+            </a:r>
+          </a:p>
+        </p:txBody>
+      </p:sp>
+      <p:sp>
+        <p:nvSpPr>
+          <p:cNvPr id="5" name="pole tekstowe 4">
+            <a:extLst>
+              <a:ext uri="{FF2B5EF4-FFF2-40B4-BE49-F238E27FC236}">
+                <a16:creationId xmlns:a16="http://schemas.microsoft.com/office/drawing/2014/main" id="{BE681DC8-DDCD-4273-AAB4-FED76B94BBAC}"/>
+              </a:ext>
+            </a:extLst>
+          </p:cNvPr>
+          <p:cNvSpPr txBox="1"/>
+          <p:nvPr/>
+        </p:nvSpPr>
+        <p:spPr>
+          <a:xfrm>
+            <a:off x="373438" y="3654662"/>
+            <a:ext cx="10970439" cy="1169551"/>
+          </a:xfrm>
+          <a:prstGeom prst="rect">
+            <a:avLst/>
+          </a:prstGeom>
+          <a:noFill/>
+        </p:spPr>
+        <p:txBody>
+          <a:bodyPr wrap="none" rtlCol="0">
+            <a:spAutoFit/>
+          </a:bodyPr>
+          <a:lstStyle/>
+          <a:p>
+            <a:r>
+              <a:rPr lang="pl-PL" sz="3500" b="1" u="sng" dirty="0"/>
+              <a:t>Rozwiązanie:</a:t>
+            </a:r>
+            <a:r>
+              <a:rPr lang="pl-PL" sz="3500" dirty="0"/>
+              <a:t> Prośba o zmianę tematu projektu na bardziej </a:t>
+            </a:r>
+          </a:p>
+          <a:p>
+            <a:r>
+              <a:rPr lang="pl-PL" sz="3500" dirty="0"/>
+              <a:t>		       odpowiadającą.</a:t>
+            </a:r>
+          </a:p>
+        </p:txBody>
+      </p:sp>
+    </p:spTree>
+    <p:extLst>
+      <p:ext uri="{BB962C8B-B14F-4D97-AF65-F5344CB8AC3E}">
+        <p14:creationId xmlns:p14="http://schemas.microsoft.com/office/powerpoint/2010/main" val="1517776590"/>
+      </p:ext>
+    </p:extLst>
+  </p:cSld>
+  <p:clrMapOvr>
+    <a:masterClrMapping/>
+  </p:clrMapOvr>
+  <p:timing>
+    <p:tnLst>
+      <p:par>
+        <p:cTn id="1" dur="indefinite" restart="never" nodeType="tmRoot">
+          <p:childTnLst>
+            <p:seq concurrent="1" nextAc="seek">
+              <p:cTn id="2" dur="indefinite" nodeType="mainSeq">
+                <p:childTnLst>
+                  <p:par>
+                    <p:cTn id="3" fill="hold">
+                      <p:stCondLst>
+                        <p:cond delay="indefinite"/>
+                        <p:cond evt="onBegin" delay="0">
+                          <p:tn val="2"/>
+                        </p:cond>
+                      </p:stCondLst>
+                      <p:childTnLst>
+                        <p:par>
+                          <p:cTn id="4" fill="hold">
+                            <p:stCondLst>
+                              <p:cond delay="0"/>
+                            </p:stCondLst>
+                            <p:childTnLst>
+                              <p:par>
+                                <p:cTn id="5" presetID="14" presetClass="entr" presetSubtype="10" fill="hold" grpId="0" nodeType="afterEffect">
+                                  <p:stCondLst>
+                                    <p:cond delay="0"/>
+                                  </p:stCondLst>
+                                  <p:childTnLst>
+                                    <p:set>
+                                      <p:cBhvr>
+                                        <p:cTn id="6" dur="1" fill="hold">
+                                          <p:stCondLst>
+                                            <p:cond delay="0"/>
+                                          </p:stCondLst>
+                                        </p:cTn>
+                                        <p:tgtEl>
+                                          <p:spTgt spid="4"/>
+                                        </p:tgtEl>
+                                        <p:attrNameLst>
+                                          <p:attrName>style.visibility</p:attrName>
+                                        </p:attrNameLst>
+                                      </p:cBhvr>
+                                      <p:to>
+                                        <p:strVal val="visible"/>
+                                      </p:to>
+                                    </p:set>
+                                    <p:animEffect transition="in" filter="randombar(horizontal)">
+                                      <p:cBhvr>
+                                        <p:cTn id="7" dur="400"/>
+                                        <p:tgtEl>
+                                          <p:spTgt spid="4"/>
+                                        </p:tgtEl>
+                                      </p:cBhvr>
+                                    </p:animEffect>
+                                  </p:childTnLst>
+                                </p:cTn>
+                              </p:par>
+                            </p:childTnLst>
+                          </p:cTn>
+                        </p:par>
+                      </p:childTnLst>
+                    </p:cTn>
+                  </p:par>
+                  <p:par>
+                    <p:cTn id="8" fill="hold">
+                      <p:stCondLst>
+                        <p:cond delay="indefinite"/>
+                      </p:stCondLst>
+                      <p:childTnLst>
+                        <p:par>
+                          <p:cTn id="9" fill="hold">
+                            <p:stCondLst>
+                              <p:cond delay="0"/>
+                            </p:stCondLst>
+                            <p:childTnLst>
+                              <p:par>
+                                <p:cTn id="10" presetID="14" presetClass="entr" presetSubtype="10" fill="hold" grpId="0" nodeType="clickEffect">
+                                  <p:stCondLst>
+                                    <p:cond delay="0"/>
+                                  </p:stCondLst>
+                                  <p:childTnLst>
+                                    <p:set>
+                                      <p:cBhvr>
+                                        <p:cTn id="11" dur="1" fill="hold">
+                                          <p:stCondLst>
+                                            <p:cond delay="0"/>
+                                          </p:stCondLst>
+                                        </p:cTn>
+                                        <p:tgtEl>
+                                          <p:spTgt spid="5"/>
+                                        </p:tgtEl>
+                                        <p:attrNameLst>
+                                          <p:attrName>style.visibility</p:attrName>
+                                        </p:attrNameLst>
+                                      </p:cBhvr>
+                                      <p:to>
+                                        <p:strVal val="visible"/>
+                                      </p:to>
+                                    </p:set>
+                                    <p:animEffect transition="in" filter="randombar(horizontal)">
+                                      <p:cBhvr>
+                                        <p:cTn id="12" dur="400"/>
+                                        <p:tgtEl>
+                                          <p:spTgt spid="5"/>
+                                        </p:tgtEl>
+                                      </p:cBhvr>
+                                    </p:animEffect>
+                                  </p:childTnLst>
+                                </p:cTn>
+                              </p:par>
+                            </p:childTnLst>
+                          </p:cTn>
+                        </p:par>
+                      </p:childTnLst>
+                    </p:cTn>
+                  </p:par>
+                </p:childTnLst>
+              </p:cTn>
+              <p:prevCondLst>
+                <p:cond evt="onPrev" delay="0">
+                  <p:tgtEl>
+                    <p:sldTgt/>
+                  </p:tgtEl>
+                </p:cond>
+              </p:prevCondLst>
+              <p:nextCondLst>
+                <p:cond evt="onNext" delay="0">
+                  <p:tgtEl>
+                    <p:sldTgt/>
+                  </p:tgtEl>
+                </p:cond>
+              </p:nextCondLst>
+            </p:seq>
+          </p:childTnLst>
+        </p:cTn>
+      </p:par>
+    </p:tnLst>
+    <p:bldLst>
+      <p:bldP spid="4" grpId="0"/>
+      <p:bldP spid="5" grpId="0"/>
+    </p:bldLst>
+  </p:timing>
+</p:sld>
+</file>
+
+<file path=ppt/slides/slide17.xml><?xml version="1.0" encoding="utf-8"?>
+<p:sld xmlns:a="http://schemas.openxmlformats.org/drawingml/2006/main" xmlns:r="http://schemas.openxmlformats.org/officeDocument/2006/relationships" xmlns:p="http://schemas.openxmlformats.org/presentationml/2006/main">
+  <p:cSld>
+    <p:bg>
+      <p:bgPr>
+        <a:blipFill dpi="0" rotWithShape="1">
+          <a:blip r:embed="rId2">
+            <a:alphaModFix amt="79000"/>
+            <a:lum/>
+          </a:blip>
+          <a:srcRect/>
+          <a:tile tx="0" ty="0" sx="100000" sy="100000" flip="none" algn="tl"/>
+        </a:blipFill>
+        <a:effectLst/>
+      </p:bgPr>
+    </p:bg>
+    <p:spTree>
+      <p:nvGrpSpPr>
+        <p:cNvPr id="1" name=""/>
+        <p:cNvGrpSpPr/>
+        <p:nvPr/>
+      </p:nvGrpSpPr>
+      <p:grpSpPr>
+        <a:xfrm>
+          <a:off x="0" y="0"/>
+          <a:ext cx="0" cy="0"/>
+          <a:chOff x="0" y="0"/>
+          <a:chExt cx="0" cy="0"/>
+        </a:xfrm>
+      </p:grpSpPr>
+      <p:sp>
+        <p:nvSpPr>
+          <p:cNvPr id="3" name="pole tekstowe 2">
+            <a:extLst>
+              <a:ext uri="{FF2B5EF4-FFF2-40B4-BE49-F238E27FC236}">
+                <a16:creationId xmlns:a16="http://schemas.microsoft.com/office/drawing/2014/main" id="{AADB1B61-54F6-4615-BBEC-E40C99C523AF}"/>
+              </a:ext>
+            </a:extLst>
+          </p:cNvPr>
+          <p:cNvSpPr txBox="1"/>
+          <p:nvPr/>
+        </p:nvSpPr>
+        <p:spPr>
+          <a:xfrm>
+            <a:off x="373438" y="191643"/>
+            <a:ext cx="11445121" cy="861774"/>
+          </a:xfrm>
+          <a:prstGeom prst="rect">
+            <a:avLst/>
+          </a:prstGeom>
+          <a:noFill/>
+        </p:spPr>
+        <p:txBody>
+          <a:bodyPr wrap="none" rtlCol="0">
+            <a:spAutoFit/>
+          </a:bodyPr>
+          <a:lstStyle/>
+          <a:p>
+            <a:r>
+              <a:rPr lang="pl-PL" sz="5000" b="1" dirty="0"/>
+              <a:t>PROBLEMY PODCZAS ROBIENIA PROJEKTU</a:t>
+            </a:r>
+            <a:endParaRPr lang="ru-RU" sz="5000" b="1" dirty="0"/>
+          </a:p>
+        </p:txBody>
+      </p:sp>
+      <p:sp>
+        <p:nvSpPr>
+          <p:cNvPr id="4" name="pole tekstowe 3">
+            <a:extLst>
+              <a:ext uri="{FF2B5EF4-FFF2-40B4-BE49-F238E27FC236}">
+                <a16:creationId xmlns:a16="http://schemas.microsoft.com/office/drawing/2014/main" id="{A340E082-F646-4863-BCE4-4F87F93918AC}"/>
+              </a:ext>
+            </a:extLst>
+          </p:cNvPr>
+          <p:cNvSpPr txBox="1"/>
+          <p:nvPr/>
+        </p:nvSpPr>
+        <p:spPr>
+          <a:xfrm>
+            <a:off x="373438" y="2132804"/>
+            <a:ext cx="7780913" cy="630942"/>
+          </a:xfrm>
+          <a:prstGeom prst="rect">
+            <a:avLst/>
+          </a:prstGeom>
+          <a:noFill/>
+        </p:spPr>
+        <p:txBody>
+          <a:bodyPr wrap="none" rtlCol="0">
+            <a:spAutoFit/>
+          </a:bodyPr>
+          <a:lstStyle/>
+          <a:p>
+            <a:r>
+              <a:rPr lang="pl-PL" sz="3500" b="1" u="sng" dirty="0"/>
+              <a:t>Problem 3. :</a:t>
+            </a:r>
+            <a:r>
+              <a:rPr lang="pl-PL" sz="3500" dirty="0"/>
+              <a:t> Oddzielenie członku zespołu.</a:t>
+            </a:r>
+          </a:p>
+        </p:txBody>
+      </p:sp>
+      <p:sp>
+        <p:nvSpPr>
+          <p:cNvPr id="5" name="pole tekstowe 4">
+            <a:extLst>
+              <a:ext uri="{FF2B5EF4-FFF2-40B4-BE49-F238E27FC236}">
+                <a16:creationId xmlns:a16="http://schemas.microsoft.com/office/drawing/2014/main" id="{BE681DC8-DDCD-4273-AAB4-FED76B94BBAC}"/>
+              </a:ext>
+            </a:extLst>
+          </p:cNvPr>
+          <p:cNvSpPr txBox="1"/>
+          <p:nvPr/>
+        </p:nvSpPr>
+        <p:spPr>
+          <a:xfrm>
+            <a:off x="373438" y="3654662"/>
+            <a:ext cx="10690362" cy="1169551"/>
+          </a:xfrm>
+          <a:prstGeom prst="rect">
+            <a:avLst/>
+          </a:prstGeom>
+          <a:noFill/>
+        </p:spPr>
+        <p:txBody>
+          <a:bodyPr wrap="none" rtlCol="0">
+            <a:spAutoFit/>
+          </a:bodyPr>
+          <a:lstStyle/>
+          <a:p>
+            <a:r>
+              <a:rPr lang="pl-PL" sz="3500" b="1" u="sng" dirty="0"/>
+              <a:t>Rozwiązanie:</a:t>
+            </a:r>
+            <a:r>
+              <a:rPr lang="pl-PL" sz="3500" dirty="0"/>
+              <a:t> </a:t>
+            </a:r>
+            <a:r>
+              <a:rPr lang="en-US" sz="3500" dirty="0" err="1"/>
+              <a:t>Pracowa</a:t>
+            </a:r>
+            <a:r>
+              <a:rPr lang="pl-PL" sz="3500" dirty="0"/>
+              <a:t>ć o 25% więcej aby nadrobić utratę </a:t>
+            </a:r>
+          </a:p>
+          <a:p>
+            <a:r>
+              <a:rPr lang="pl-PL" sz="3500" dirty="0"/>
+              <a:t>		       członku zespołu.</a:t>
+            </a:r>
+          </a:p>
+        </p:txBody>
+      </p:sp>
+    </p:spTree>
+    <p:extLst>
+      <p:ext uri="{BB962C8B-B14F-4D97-AF65-F5344CB8AC3E}">
+        <p14:creationId xmlns:p14="http://schemas.microsoft.com/office/powerpoint/2010/main" val="92347653"/>
+      </p:ext>
+    </p:extLst>
+  </p:cSld>
+  <p:clrMapOvr>
+    <a:masterClrMapping/>
+  </p:clrMapOvr>
+  <p:timing>
+    <p:tnLst>
+      <p:par>
+        <p:cTn id="1" dur="indefinite" restart="never" nodeType="tmRoot">
+          <p:childTnLst>
+            <p:seq concurrent="1" nextAc="seek">
+              <p:cTn id="2" dur="indefinite" nodeType="mainSeq">
+                <p:childTnLst>
+                  <p:par>
+                    <p:cTn id="3" fill="hold">
+                      <p:stCondLst>
+                        <p:cond delay="indefinite"/>
+                        <p:cond evt="onBegin" delay="0">
+                          <p:tn val="2"/>
+                        </p:cond>
+                      </p:stCondLst>
+                      <p:childTnLst>
+                        <p:par>
+                          <p:cTn id="4" fill="hold">
+                            <p:stCondLst>
+                              <p:cond delay="0"/>
+                            </p:stCondLst>
+                            <p:childTnLst>
+                              <p:par>
+                                <p:cTn id="5" presetID="14" presetClass="entr" presetSubtype="10" fill="hold" grpId="0" nodeType="afterEffect">
+                                  <p:stCondLst>
+                                    <p:cond delay="0"/>
+                                  </p:stCondLst>
+                                  <p:childTnLst>
+                                    <p:set>
+                                      <p:cBhvr>
+                                        <p:cTn id="6" dur="1" fill="hold">
+                                          <p:stCondLst>
+                                            <p:cond delay="0"/>
+                                          </p:stCondLst>
+                                        </p:cTn>
+                                        <p:tgtEl>
+                                          <p:spTgt spid="4"/>
+                                        </p:tgtEl>
+                                        <p:attrNameLst>
+                                          <p:attrName>style.visibility</p:attrName>
+                                        </p:attrNameLst>
+                                      </p:cBhvr>
+                                      <p:to>
+                                        <p:strVal val="visible"/>
+                                      </p:to>
+                                    </p:set>
+                                    <p:animEffect transition="in" filter="randombar(horizontal)">
+                                      <p:cBhvr>
+                                        <p:cTn id="7" dur="400"/>
+                                        <p:tgtEl>
+                                          <p:spTgt spid="4"/>
+                                        </p:tgtEl>
+                                      </p:cBhvr>
+                                    </p:animEffect>
+                                  </p:childTnLst>
+                                </p:cTn>
+                              </p:par>
+                            </p:childTnLst>
+                          </p:cTn>
+                        </p:par>
+                      </p:childTnLst>
+                    </p:cTn>
+                  </p:par>
+                  <p:par>
+                    <p:cTn id="8" fill="hold">
+                      <p:stCondLst>
+                        <p:cond delay="indefinite"/>
+                      </p:stCondLst>
+                      <p:childTnLst>
+                        <p:par>
+                          <p:cTn id="9" fill="hold">
+                            <p:stCondLst>
+                              <p:cond delay="0"/>
+                            </p:stCondLst>
+                            <p:childTnLst>
+                              <p:par>
+                                <p:cTn id="10" presetID="14" presetClass="entr" presetSubtype="10" fill="hold" grpId="0" nodeType="clickEffect">
+                                  <p:stCondLst>
+                                    <p:cond delay="0"/>
+                                  </p:stCondLst>
+                                  <p:childTnLst>
+                                    <p:set>
+                                      <p:cBhvr>
+                                        <p:cTn id="11" dur="1" fill="hold">
+                                          <p:stCondLst>
+                                            <p:cond delay="0"/>
+                                          </p:stCondLst>
+                                        </p:cTn>
+                                        <p:tgtEl>
+                                          <p:spTgt spid="5"/>
+                                        </p:tgtEl>
+                                        <p:attrNameLst>
+                                          <p:attrName>style.visibility</p:attrName>
+                                        </p:attrNameLst>
+                                      </p:cBhvr>
+                                      <p:to>
+                                        <p:strVal val="visible"/>
+                                      </p:to>
+                                    </p:set>
+                                    <p:animEffect transition="in" filter="randombar(horizontal)">
+                                      <p:cBhvr>
+                                        <p:cTn id="12" dur="400"/>
+                                        <p:tgtEl>
+                                          <p:spTgt spid="5"/>
+                                        </p:tgtEl>
+                                      </p:cBhvr>
+                                    </p:animEffect>
+                                  </p:childTnLst>
+                                </p:cTn>
+                              </p:par>
+                            </p:childTnLst>
+                          </p:cTn>
+                        </p:par>
+                      </p:childTnLst>
+                    </p:cTn>
+                  </p:par>
+                </p:childTnLst>
+              </p:cTn>
+              <p:prevCondLst>
+                <p:cond evt="onPrev" delay="0">
+                  <p:tgtEl>
+                    <p:sldTgt/>
+                  </p:tgtEl>
+                </p:cond>
+              </p:prevCondLst>
+              <p:nextCondLst>
+                <p:cond evt="onNext" delay="0">
+                  <p:tgtEl>
+                    <p:sldTgt/>
+                  </p:tgtEl>
+                </p:cond>
+              </p:nextCondLst>
+            </p:seq>
+          </p:childTnLst>
+        </p:cTn>
+      </p:par>
+    </p:tnLst>
+    <p:bldLst>
+      <p:bldP spid="4" grpId="0"/>
+      <p:bldP spid="5" grpId="0"/>
+    </p:bldLst>
+  </p:timing>
+</p:sld>
+</file>
+
+<file path=ppt/slides/slide18.xml><?xml version="1.0" encoding="utf-8"?>
+<p:sld xmlns:a="http://schemas.openxmlformats.org/drawingml/2006/main" xmlns:r="http://schemas.openxmlformats.org/officeDocument/2006/relationships" xmlns:p="http://schemas.openxmlformats.org/presentationml/2006/main">
+  <p:cSld>
+    <p:bg>
+      <p:bgPr>
+        <a:blipFill dpi="0" rotWithShape="1">
+          <a:blip r:embed="rId2">
+            <a:alphaModFix amt="79000"/>
+            <a:lum/>
+          </a:blip>
+          <a:srcRect/>
+          <a:tile tx="0" ty="0" sx="100000" sy="100000" flip="none" algn="tl"/>
+        </a:blipFill>
+        <a:effectLst/>
+      </p:bgPr>
+    </p:bg>
+    <p:spTree>
+      <p:nvGrpSpPr>
+        <p:cNvPr id="1" name=""/>
+        <p:cNvGrpSpPr/>
+        <p:nvPr/>
+      </p:nvGrpSpPr>
+      <p:grpSpPr>
+        <a:xfrm>
+          <a:off x="0" y="0"/>
+          <a:ext cx="0" cy="0"/>
+          <a:chOff x="0" y="0"/>
+          <a:chExt cx="0" cy="0"/>
+        </a:xfrm>
+      </p:grpSpPr>
+      <p:sp>
+        <p:nvSpPr>
+          <p:cNvPr id="3" name="pole tekstowe 2">
+            <a:extLst>
+              <a:ext uri="{FF2B5EF4-FFF2-40B4-BE49-F238E27FC236}">
+                <a16:creationId xmlns:a16="http://schemas.microsoft.com/office/drawing/2014/main" id="{AADB1B61-54F6-4615-BBEC-E40C99C523AF}"/>
+              </a:ext>
+            </a:extLst>
+          </p:cNvPr>
+          <p:cNvSpPr txBox="1"/>
+          <p:nvPr/>
+        </p:nvSpPr>
+        <p:spPr>
+          <a:xfrm>
+            <a:off x="373438" y="191643"/>
+            <a:ext cx="11445121" cy="861774"/>
+          </a:xfrm>
+          <a:prstGeom prst="rect">
+            <a:avLst/>
+          </a:prstGeom>
+          <a:noFill/>
+        </p:spPr>
+        <p:txBody>
+          <a:bodyPr wrap="none" rtlCol="0">
+            <a:spAutoFit/>
+          </a:bodyPr>
+          <a:lstStyle/>
+          <a:p>
+            <a:r>
+              <a:rPr lang="pl-PL" sz="5000" b="1" dirty="0"/>
+              <a:t>PROBLEMY PODCZAS ROBIENIA PROJEKTU</a:t>
+            </a:r>
+            <a:endParaRPr lang="ru-RU" sz="5000" b="1" dirty="0"/>
+          </a:p>
+        </p:txBody>
+      </p:sp>
+      <p:sp>
+        <p:nvSpPr>
+          <p:cNvPr id="4" name="pole tekstowe 3">
+            <a:extLst>
+              <a:ext uri="{FF2B5EF4-FFF2-40B4-BE49-F238E27FC236}">
+                <a16:creationId xmlns:a16="http://schemas.microsoft.com/office/drawing/2014/main" id="{A340E082-F646-4863-BCE4-4F87F93918AC}"/>
+              </a:ext>
+            </a:extLst>
+          </p:cNvPr>
+          <p:cNvSpPr txBox="1"/>
+          <p:nvPr/>
+        </p:nvSpPr>
+        <p:spPr>
+          <a:xfrm>
+            <a:off x="373438" y="2132804"/>
+            <a:ext cx="7970259" cy="630942"/>
+          </a:xfrm>
+          <a:prstGeom prst="rect">
+            <a:avLst/>
+          </a:prstGeom>
+          <a:noFill/>
+        </p:spPr>
+        <p:txBody>
+          <a:bodyPr wrap="none" rtlCol="0">
+            <a:spAutoFit/>
+          </a:bodyPr>
+          <a:lstStyle/>
+          <a:p>
+            <a:r>
+              <a:rPr lang="pl-PL" sz="3500" b="1" u="sng" dirty="0"/>
+              <a:t>Problem 4. :</a:t>
+            </a:r>
+            <a:r>
+              <a:rPr lang="pl-PL" sz="3500" dirty="0"/>
+              <a:t> Wyraźny podział obowiązków.</a:t>
+            </a:r>
+          </a:p>
+        </p:txBody>
+      </p:sp>
+      <p:sp>
+        <p:nvSpPr>
+          <p:cNvPr id="5" name="pole tekstowe 4">
+            <a:extLst>
+              <a:ext uri="{FF2B5EF4-FFF2-40B4-BE49-F238E27FC236}">
+                <a16:creationId xmlns:a16="http://schemas.microsoft.com/office/drawing/2014/main" id="{BE681DC8-DDCD-4273-AAB4-FED76B94BBAC}"/>
+              </a:ext>
+            </a:extLst>
+          </p:cNvPr>
+          <p:cNvSpPr txBox="1"/>
+          <p:nvPr/>
+        </p:nvSpPr>
+        <p:spPr>
+          <a:xfrm>
+            <a:off x="373438" y="3654662"/>
+            <a:ext cx="11718977" cy="1169551"/>
+          </a:xfrm>
+          <a:prstGeom prst="rect">
+            <a:avLst/>
+          </a:prstGeom>
+          <a:noFill/>
+        </p:spPr>
+        <p:txBody>
+          <a:bodyPr wrap="none" rtlCol="0">
+            <a:spAutoFit/>
+          </a:bodyPr>
+          <a:lstStyle/>
+          <a:p>
+            <a:r>
+              <a:rPr lang="pl-PL" sz="3500" b="1" u="sng" dirty="0"/>
+              <a:t>Rozwiązanie:</a:t>
+            </a:r>
+            <a:r>
+              <a:rPr lang="pl-PL" sz="3500" dirty="0"/>
+              <a:t> </a:t>
+            </a:r>
+            <a:r>
+              <a:rPr lang="en-US" sz="3500" dirty="0"/>
+              <a:t>Wi</a:t>
+            </a:r>
+            <a:r>
+              <a:rPr lang="pl-PL" sz="3500" dirty="0" err="1"/>
+              <a:t>ęcej</a:t>
+            </a:r>
+            <a:r>
+              <a:rPr lang="pl-PL" sz="3500" dirty="0"/>
+              <a:t> komunikacji w zespole </a:t>
+            </a:r>
+            <a:r>
+              <a:rPr lang="en-US" sz="3500" dirty="0"/>
+              <a:t>w </a:t>
+            </a:r>
+            <a:r>
+              <a:rPr lang="en-US" sz="3500" dirty="0" err="1"/>
+              <a:t>celu</a:t>
+            </a:r>
+            <a:r>
+              <a:rPr lang="pl-PL" sz="3500" dirty="0"/>
+              <a:t> wyjaśni</a:t>
+            </a:r>
+            <a:r>
+              <a:rPr lang="en-US" sz="3500" dirty="0" err="1"/>
+              <a:t>enia</a:t>
+            </a:r>
+            <a:r>
+              <a:rPr lang="en-US" sz="3500" dirty="0"/>
+              <a:t> </a:t>
+            </a:r>
+            <a:endParaRPr lang="pl-PL" sz="3500" dirty="0"/>
+          </a:p>
+          <a:p>
+            <a:r>
+              <a:rPr lang="pl-PL" sz="3500" dirty="0"/>
+              <a:t>		       obowiązków.</a:t>
+            </a:r>
+          </a:p>
+        </p:txBody>
+      </p:sp>
+    </p:spTree>
+    <p:extLst>
+      <p:ext uri="{BB962C8B-B14F-4D97-AF65-F5344CB8AC3E}">
+        <p14:creationId xmlns:p14="http://schemas.microsoft.com/office/powerpoint/2010/main" val="3357892377"/>
+      </p:ext>
+    </p:extLst>
+  </p:cSld>
+  <p:clrMapOvr>
+    <a:masterClrMapping/>
+  </p:clrMapOvr>
+  <p:timing>
+    <p:tnLst>
+      <p:par>
+        <p:cTn id="1" dur="indefinite" restart="never" nodeType="tmRoot">
+          <p:childTnLst>
+            <p:seq concurrent="1" nextAc="seek">
+              <p:cTn id="2" dur="indefinite" nodeType="mainSeq">
+                <p:childTnLst>
+                  <p:par>
+                    <p:cTn id="3" fill="hold">
+                      <p:stCondLst>
+                        <p:cond delay="indefinite"/>
+                        <p:cond evt="onBegin" delay="0">
+                          <p:tn val="2"/>
+                        </p:cond>
+                      </p:stCondLst>
+                      <p:childTnLst>
+                        <p:par>
+                          <p:cTn id="4" fill="hold">
+                            <p:stCondLst>
+                              <p:cond delay="0"/>
+                            </p:stCondLst>
+                            <p:childTnLst>
+                              <p:par>
+                                <p:cTn id="5" presetID="14" presetClass="entr" presetSubtype="10" fill="hold" grpId="0" nodeType="afterEffect">
+                                  <p:stCondLst>
+                                    <p:cond delay="0"/>
+                                  </p:stCondLst>
+                                  <p:childTnLst>
+                                    <p:set>
+                                      <p:cBhvr>
+                                        <p:cTn id="6" dur="1" fill="hold">
+                                          <p:stCondLst>
+                                            <p:cond delay="0"/>
+                                          </p:stCondLst>
+                                        </p:cTn>
+                                        <p:tgtEl>
+                                          <p:spTgt spid="4"/>
+                                        </p:tgtEl>
+                                        <p:attrNameLst>
+                                          <p:attrName>style.visibility</p:attrName>
+                                        </p:attrNameLst>
+                                      </p:cBhvr>
+                                      <p:to>
+                                        <p:strVal val="visible"/>
+                                      </p:to>
+                                    </p:set>
+                                    <p:animEffect transition="in" filter="randombar(horizontal)">
+                                      <p:cBhvr>
+                                        <p:cTn id="7" dur="400"/>
+                                        <p:tgtEl>
+                                          <p:spTgt spid="4"/>
+                                        </p:tgtEl>
+                                      </p:cBhvr>
+                                    </p:animEffect>
+                                  </p:childTnLst>
+                                </p:cTn>
+                              </p:par>
+                            </p:childTnLst>
+                          </p:cTn>
+                        </p:par>
+                      </p:childTnLst>
+                    </p:cTn>
+                  </p:par>
+                  <p:par>
+                    <p:cTn id="8" fill="hold">
+                      <p:stCondLst>
+                        <p:cond delay="indefinite"/>
+                      </p:stCondLst>
+                      <p:childTnLst>
+                        <p:par>
+                          <p:cTn id="9" fill="hold">
+                            <p:stCondLst>
+                              <p:cond delay="0"/>
+                            </p:stCondLst>
+                            <p:childTnLst>
+                              <p:par>
+                                <p:cTn id="10" presetID="14" presetClass="entr" presetSubtype="10" fill="hold" grpId="0" nodeType="clickEffect">
+                                  <p:stCondLst>
+                                    <p:cond delay="0"/>
+                                  </p:stCondLst>
+                                  <p:childTnLst>
+                                    <p:set>
+                                      <p:cBhvr>
+                                        <p:cTn id="11" dur="1" fill="hold">
+                                          <p:stCondLst>
+                                            <p:cond delay="0"/>
+                                          </p:stCondLst>
+                                        </p:cTn>
+                                        <p:tgtEl>
+                                          <p:spTgt spid="5"/>
+                                        </p:tgtEl>
+                                        <p:attrNameLst>
+                                          <p:attrName>style.visibility</p:attrName>
+                                        </p:attrNameLst>
+                                      </p:cBhvr>
+                                      <p:to>
+                                        <p:strVal val="visible"/>
+                                      </p:to>
+                                    </p:set>
+                                    <p:animEffect transition="in" filter="randombar(horizontal)">
+                                      <p:cBhvr>
+                                        <p:cTn id="12" dur="400"/>
+                                        <p:tgtEl>
+                                          <p:spTgt spid="5"/>
+                                        </p:tgtEl>
+                                      </p:cBhvr>
+                                    </p:animEffect>
+                                  </p:childTnLst>
+                                </p:cTn>
+                              </p:par>
+                            </p:childTnLst>
+                          </p:cTn>
+                        </p:par>
+                      </p:childTnLst>
+                    </p:cTn>
+                  </p:par>
+                </p:childTnLst>
+              </p:cTn>
+              <p:prevCondLst>
+                <p:cond evt="onPrev" delay="0">
+                  <p:tgtEl>
+                    <p:sldTgt/>
+                  </p:tgtEl>
+                </p:cond>
+              </p:prevCondLst>
+              <p:nextCondLst>
+                <p:cond evt="onNext" delay="0">
+                  <p:tgtEl>
+                    <p:sldTgt/>
+                  </p:tgtEl>
+                </p:cond>
+              </p:nextCondLst>
+            </p:seq>
+          </p:childTnLst>
+        </p:cTn>
+      </p:par>
+    </p:tnLst>
+    <p:bldLst>
+      <p:bldP spid="4" grpId="0"/>
+      <p:bldP spid="5" grpId="0"/>
+    </p:bldLst>
+  </p:timing>
+</p:sld>
+</file>
+
+<file path=ppt/slides/slide19.xml><?xml version="1.0" encoding="utf-8"?>
+<p:sld xmlns:a="http://schemas.openxmlformats.org/drawingml/2006/main" xmlns:r="http://schemas.openxmlformats.org/officeDocument/2006/relationships" xmlns:p="http://schemas.openxmlformats.org/presentationml/2006/main">
+  <p:cSld>
+    <p:bg>
+      <p:bgPr>
+        <a:blipFill dpi="0" rotWithShape="1">
+          <a:blip r:embed="rId2">
+            <a:alphaModFix amt="79000"/>
+            <a:lum/>
+          </a:blip>
+          <a:srcRect/>
+          <a:tile tx="0" ty="0" sx="100000" sy="100000" flip="none" algn="tl"/>
+        </a:blipFill>
+        <a:effectLst/>
+      </p:bgPr>
+    </p:bg>
+    <p:spTree>
+      <p:nvGrpSpPr>
+        <p:cNvPr id="1" name=""/>
+        <p:cNvGrpSpPr/>
+        <p:nvPr/>
+      </p:nvGrpSpPr>
+      <p:grpSpPr>
+        <a:xfrm>
+          <a:off x="0" y="0"/>
+          <a:ext cx="0" cy="0"/>
+          <a:chOff x="0" y="0"/>
+          <a:chExt cx="0" cy="0"/>
+        </a:xfrm>
+      </p:grpSpPr>
+      <p:sp>
+        <p:nvSpPr>
+          <p:cNvPr id="3" name="pole tekstowe 2">
+            <a:extLst>
+              <a:ext uri="{FF2B5EF4-FFF2-40B4-BE49-F238E27FC236}">
+                <a16:creationId xmlns:a16="http://schemas.microsoft.com/office/drawing/2014/main" id="{AADB1B61-54F6-4615-BBEC-E40C99C523AF}"/>
+              </a:ext>
+            </a:extLst>
+          </p:cNvPr>
+          <p:cNvSpPr txBox="1"/>
+          <p:nvPr/>
+        </p:nvSpPr>
+        <p:spPr>
+          <a:xfrm>
+            <a:off x="373438" y="191643"/>
+            <a:ext cx="11445121" cy="861774"/>
+          </a:xfrm>
+          <a:prstGeom prst="rect">
+            <a:avLst/>
+          </a:prstGeom>
+          <a:noFill/>
+        </p:spPr>
+        <p:txBody>
+          <a:bodyPr wrap="none" rtlCol="0">
+            <a:spAutoFit/>
+          </a:bodyPr>
+          <a:lstStyle/>
+          <a:p>
+            <a:r>
+              <a:rPr lang="pl-PL" sz="5000" b="1" dirty="0"/>
+              <a:t>PROBLEMY PODCZAS ROBIENIA PROJEKTU</a:t>
+            </a:r>
+            <a:endParaRPr lang="ru-RU" sz="5000" b="1" dirty="0"/>
+          </a:p>
+        </p:txBody>
+      </p:sp>
+      <p:sp>
+        <p:nvSpPr>
+          <p:cNvPr id="4" name="pole tekstowe 3">
+            <a:extLst>
+              <a:ext uri="{FF2B5EF4-FFF2-40B4-BE49-F238E27FC236}">
+                <a16:creationId xmlns:a16="http://schemas.microsoft.com/office/drawing/2014/main" id="{A340E082-F646-4863-BCE4-4F87F93918AC}"/>
+              </a:ext>
+            </a:extLst>
+          </p:cNvPr>
+          <p:cNvSpPr txBox="1"/>
+          <p:nvPr/>
+        </p:nvSpPr>
+        <p:spPr>
+          <a:xfrm>
+            <a:off x="373438" y="2132804"/>
+            <a:ext cx="4414542" cy="630942"/>
+          </a:xfrm>
+          <a:prstGeom prst="rect">
+            <a:avLst/>
+          </a:prstGeom>
+          <a:noFill/>
+        </p:spPr>
+        <p:txBody>
+          <a:bodyPr wrap="none" rtlCol="0">
+            <a:spAutoFit/>
+          </a:bodyPr>
+          <a:lstStyle/>
+          <a:p>
+            <a:r>
+              <a:rPr lang="pl-PL" sz="3500" b="1" u="sng" dirty="0"/>
+              <a:t>Problem 5. :</a:t>
+            </a:r>
+            <a:r>
+              <a:rPr lang="pl-PL" sz="3500" dirty="0"/>
+              <a:t> COVID-19.</a:t>
+            </a:r>
+          </a:p>
+        </p:txBody>
+      </p:sp>
+      <p:sp>
+        <p:nvSpPr>
+          <p:cNvPr id="5" name="pole tekstowe 4">
+            <a:extLst>
+              <a:ext uri="{FF2B5EF4-FFF2-40B4-BE49-F238E27FC236}">
+                <a16:creationId xmlns:a16="http://schemas.microsoft.com/office/drawing/2014/main" id="{BE681DC8-DDCD-4273-AAB4-FED76B94BBAC}"/>
+              </a:ext>
+            </a:extLst>
+          </p:cNvPr>
+          <p:cNvSpPr txBox="1"/>
+          <p:nvPr/>
+        </p:nvSpPr>
+        <p:spPr>
+          <a:xfrm>
+            <a:off x="373438" y="3654662"/>
+            <a:ext cx="8777018" cy="630942"/>
+          </a:xfrm>
+          <a:prstGeom prst="rect">
+            <a:avLst/>
+          </a:prstGeom>
+          <a:noFill/>
+        </p:spPr>
+        <p:txBody>
+          <a:bodyPr wrap="none" rtlCol="0">
+            <a:spAutoFit/>
+          </a:bodyPr>
+          <a:lstStyle/>
+          <a:p>
+            <a:r>
+              <a:rPr lang="pl-PL" sz="3500" b="1" u="sng" dirty="0"/>
+              <a:t>Rozwiązanie:</a:t>
+            </a:r>
+            <a:r>
+              <a:rPr lang="pl-PL" sz="3500" dirty="0"/>
+              <a:t> Adaptacja do współpracy zdalnie.</a:t>
+            </a:r>
+          </a:p>
+        </p:txBody>
+      </p:sp>
+    </p:spTree>
+    <p:extLst>
+      <p:ext uri="{BB962C8B-B14F-4D97-AF65-F5344CB8AC3E}">
+        <p14:creationId xmlns:p14="http://schemas.microsoft.com/office/powerpoint/2010/main" val="3955283246"/>
+      </p:ext>
+    </p:extLst>
+  </p:cSld>
+  <p:clrMapOvr>
+    <a:masterClrMapping/>
+  </p:clrMapOvr>
+  <p:timing>
+    <p:tnLst>
+      <p:par>
+        <p:cTn id="1" dur="indefinite" restart="never" nodeType="tmRoot">
+          <p:childTnLst>
+            <p:seq concurrent="1" nextAc="seek">
+              <p:cTn id="2" dur="indefinite" nodeType="mainSeq">
+                <p:childTnLst>
+                  <p:par>
+                    <p:cTn id="3" fill="hold">
+                      <p:stCondLst>
+                        <p:cond delay="indefinite"/>
+                        <p:cond evt="onBegin" delay="0">
+                          <p:tn val="2"/>
+                        </p:cond>
+                      </p:stCondLst>
+                      <p:childTnLst>
+                        <p:par>
+                          <p:cTn id="4" fill="hold">
+                            <p:stCondLst>
+                              <p:cond delay="0"/>
+                            </p:stCondLst>
+                            <p:childTnLst>
+                              <p:par>
+                                <p:cTn id="5" presetID="14" presetClass="entr" presetSubtype="10" fill="hold" grpId="0" nodeType="afterEffect">
+                                  <p:stCondLst>
+                                    <p:cond delay="0"/>
+                                  </p:stCondLst>
+                                  <p:childTnLst>
+                                    <p:set>
+                                      <p:cBhvr>
+                                        <p:cTn id="6" dur="1" fill="hold">
+                                          <p:stCondLst>
+                                            <p:cond delay="0"/>
+                                          </p:stCondLst>
+                                        </p:cTn>
+                                        <p:tgtEl>
+                                          <p:spTgt spid="4"/>
+                                        </p:tgtEl>
+                                        <p:attrNameLst>
+                                          <p:attrName>style.visibility</p:attrName>
+                                        </p:attrNameLst>
+                                      </p:cBhvr>
+                                      <p:to>
+                                        <p:strVal val="visible"/>
+                                      </p:to>
+                                    </p:set>
+                                    <p:animEffect transition="in" filter="randombar(horizontal)">
+                                      <p:cBhvr>
+                                        <p:cTn id="7" dur="400"/>
+                                        <p:tgtEl>
+                                          <p:spTgt spid="4"/>
+                                        </p:tgtEl>
+                                      </p:cBhvr>
+                                    </p:animEffect>
+                                  </p:childTnLst>
+                                </p:cTn>
+                              </p:par>
+                            </p:childTnLst>
+                          </p:cTn>
+                        </p:par>
+                      </p:childTnLst>
+                    </p:cTn>
+                  </p:par>
+                  <p:par>
+                    <p:cTn id="8" fill="hold">
+                      <p:stCondLst>
+                        <p:cond delay="indefinite"/>
+                      </p:stCondLst>
+                      <p:childTnLst>
+                        <p:par>
+                          <p:cTn id="9" fill="hold">
+                            <p:stCondLst>
+                              <p:cond delay="0"/>
+                            </p:stCondLst>
+                            <p:childTnLst>
+                              <p:par>
+                                <p:cTn id="10" presetID="14" presetClass="entr" presetSubtype="10" fill="hold" grpId="0" nodeType="clickEffect">
+                                  <p:stCondLst>
+                                    <p:cond delay="0"/>
+                                  </p:stCondLst>
+                                  <p:childTnLst>
+                                    <p:set>
+                                      <p:cBhvr>
+                                        <p:cTn id="11" dur="1" fill="hold">
+                                          <p:stCondLst>
+                                            <p:cond delay="0"/>
+                                          </p:stCondLst>
+                                        </p:cTn>
+                                        <p:tgtEl>
+                                          <p:spTgt spid="5"/>
+                                        </p:tgtEl>
+                                        <p:attrNameLst>
+                                          <p:attrName>style.visibility</p:attrName>
+                                        </p:attrNameLst>
+                                      </p:cBhvr>
+                                      <p:to>
+                                        <p:strVal val="visible"/>
+                                      </p:to>
+                                    </p:set>
+                                    <p:animEffect transition="in" filter="randombar(horizontal)">
+                                      <p:cBhvr>
+                                        <p:cTn id="12" dur="400"/>
+                                        <p:tgtEl>
+                                          <p:spTgt spid="5"/>
+                                        </p:tgtEl>
+                                      </p:cBhvr>
+                                    </p:animEffect>
+                                  </p:childTnLst>
+                                </p:cTn>
+                              </p:par>
+                            </p:childTnLst>
+                          </p:cTn>
+                        </p:par>
+                      </p:childTnLst>
+                    </p:cTn>
+                  </p:par>
+                </p:childTnLst>
+              </p:cTn>
+              <p:prevCondLst>
+                <p:cond evt="onPrev" delay="0">
+                  <p:tgtEl>
+                    <p:sldTgt/>
+                  </p:tgtEl>
+                </p:cond>
+              </p:prevCondLst>
+              <p:nextCondLst>
+                <p:cond evt="onNext" delay="0">
+                  <p:tgtEl>
+                    <p:sldTgt/>
+                  </p:tgtEl>
+                </p:cond>
+              </p:nextCondLst>
+            </p:seq>
+          </p:childTnLst>
+        </p:cTn>
+      </p:par>
+    </p:tnLst>
+    <p:bldLst>
+      <p:bldP spid="4" grpId="0"/>
+      <p:bldP spid="5" grpId="0"/>
+    </p:bldLst>
+  </p:timing>
+</p:sld>
+</file>
+
 <file path=ppt/slides/slide2.xml><?xml version="1.0" encoding="utf-8"?>
 <p:sld xmlns:a="http://schemas.openxmlformats.org/drawingml/2006/main" xmlns:r="http://schemas.openxmlformats.org/officeDocument/2006/relationships" xmlns:p="http://schemas.openxmlformats.org/presentationml/2006/main">
   <p:cSld>
@@ -3879,6 +6522,1054 @@
     <p:extLst>
       <p:ext uri="{BB962C8B-B14F-4D97-AF65-F5344CB8AC3E}">
         <p14:creationId xmlns:p14="http://schemas.microsoft.com/office/powerpoint/2010/main" val="2302869771"/>
+      </p:ext>
+    </p:extLst>
+  </p:cSld>
+  <p:clrMapOvr>
+    <a:masterClrMapping/>
+  </p:clrMapOvr>
+  <p:timing>
+    <p:tnLst>
+      <p:par>
+        <p:cTn id="1" dur="indefinite" restart="never" nodeType="tmRoot">
+          <p:childTnLst>
+            <p:seq concurrent="1" nextAc="seek">
+              <p:cTn id="2" dur="indefinite" nodeType="mainSeq">
+                <p:childTnLst>
+                  <p:par>
+                    <p:cTn id="3" fill="hold">
+                      <p:stCondLst>
+                        <p:cond delay="indefinite"/>
+                        <p:cond evt="onBegin" delay="0">
+                          <p:tn val="2"/>
+                        </p:cond>
+                      </p:stCondLst>
+                      <p:childTnLst>
+                        <p:par>
+                          <p:cTn id="4" fill="hold">
+                            <p:stCondLst>
+                              <p:cond delay="0"/>
+                            </p:stCondLst>
+                            <p:childTnLst>
+                              <p:par>
+                                <p:cTn id="5" presetID="14" presetClass="entr" presetSubtype="10" fill="hold" grpId="0" nodeType="afterEffect">
+                                  <p:stCondLst>
+                                    <p:cond delay="0"/>
+                                  </p:stCondLst>
+                                  <p:childTnLst>
+                                    <p:set>
+                                      <p:cBhvr>
+                                        <p:cTn id="6" dur="1" fill="hold">
+                                          <p:stCondLst>
+                                            <p:cond delay="0"/>
+                                          </p:stCondLst>
+                                        </p:cTn>
+                                        <p:tgtEl>
+                                          <p:spTgt spid="21"/>
+                                        </p:tgtEl>
+                                        <p:attrNameLst>
+                                          <p:attrName>style.visibility</p:attrName>
+                                        </p:attrNameLst>
+                                      </p:cBhvr>
+                                      <p:to>
+                                        <p:strVal val="visible"/>
+                                      </p:to>
+                                    </p:set>
+                                    <p:animEffect transition="in" filter="randombar(horizontal)">
+                                      <p:cBhvr>
+                                        <p:cTn id="7" dur="400"/>
+                                        <p:tgtEl>
+                                          <p:spTgt spid="21"/>
+                                        </p:tgtEl>
+                                      </p:cBhvr>
+                                    </p:animEffect>
+                                  </p:childTnLst>
+                                </p:cTn>
+                              </p:par>
+                            </p:childTnLst>
+                          </p:cTn>
+                        </p:par>
+                      </p:childTnLst>
+                    </p:cTn>
+                  </p:par>
+                </p:childTnLst>
+              </p:cTn>
+              <p:prevCondLst>
+                <p:cond evt="onPrev" delay="0">
+                  <p:tgtEl>
+                    <p:sldTgt/>
+                  </p:tgtEl>
+                </p:cond>
+              </p:prevCondLst>
+              <p:nextCondLst>
+                <p:cond evt="onNext" delay="0">
+                  <p:tgtEl>
+                    <p:sldTgt/>
+                  </p:tgtEl>
+                </p:cond>
+              </p:nextCondLst>
+            </p:seq>
+          </p:childTnLst>
+        </p:cTn>
+      </p:par>
+    </p:tnLst>
+    <p:bldLst>
+      <p:bldP spid="21" grpId="0"/>
+    </p:bldLst>
+  </p:timing>
+</p:sld>
+</file>
+
+<file path=ppt/slides/slide20.xml><?xml version="1.0" encoding="utf-8"?>
+<p:sld xmlns:a="http://schemas.openxmlformats.org/drawingml/2006/main" xmlns:r="http://schemas.openxmlformats.org/officeDocument/2006/relationships" xmlns:p="http://schemas.openxmlformats.org/presentationml/2006/main">
+  <p:cSld>
+    <p:bg>
+      <p:bgPr>
+        <a:blipFill dpi="0" rotWithShape="1">
+          <a:blip r:embed="rId2">
+            <a:alphaModFix amt="79000"/>
+            <a:lum/>
+          </a:blip>
+          <a:srcRect/>
+          <a:tile tx="0" ty="0" sx="100000" sy="100000" flip="none" algn="tl"/>
+        </a:blipFill>
+        <a:effectLst/>
+      </p:bgPr>
+    </p:bg>
+    <p:spTree>
+      <p:nvGrpSpPr>
+        <p:cNvPr id="1" name=""/>
+        <p:cNvGrpSpPr/>
+        <p:nvPr/>
+      </p:nvGrpSpPr>
+      <p:grpSpPr>
+        <a:xfrm>
+          <a:off x="0" y="0"/>
+          <a:ext cx="0" cy="0"/>
+          <a:chOff x="0" y="0"/>
+          <a:chExt cx="0" cy="0"/>
+        </a:xfrm>
+      </p:grpSpPr>
+      <p:sp>
+        <p:nvSpPr>
+          <p:cNvPr id="3" name="pole tekstowe 2">
+            <a:extLst>
+              <a:ext uri="{FF2B5EF4-FFF2-40B4-BE49-F238E27FC236}">
+                <a16:creationId xmlns:a16="http://schemas.microsoft.com/office/drawing/2014/main" id="{AADB1B61-54F6-4615-BBEC-E40C99C523AF}"/>
+              </a:ext>
+            </a:extLst>
+          </p:cNvPr>
+          <p:cNvSpPr txBox="1"/>
+          <p:nvPr/>
+        </p:nvSpPr>
+        <p:spPr>
+          <a:xfrm>
+            <a:off x="3636544" y="210693"/>
+            <a:ext cx="4918911" cy="861774"/>
+          </a:xfrm>
+          <a:prstGeom prst="rect">
+            <a:avLst/>
+          </a:prstGeom>
+          <a:noFill/>
+        </p:spPr>
+        <p:txBody>
+          <a:bodyPr wrap="none" rtlCol="0">
+            <a:spAutoFit/>
+          </a:bodyPr>
+          <a:lstStyle/>
+          <a:p>
+            <a:r>
+              <a:rPr lang="en-US" sz="5000" b="1" dirty="0"/>
+              <a:t>PODSUMOWANIE</a:t>
+            </a:r>
+            <a:endParaRPr lang="ru-RU" sz="5000" b="1" dirty="0"/>
+          </a:p>
+        </p:txBody>
+      </p:sp>
+      <p:sp>
+        <p:nvSpPr>
+          <p:cNvPr id="4" name="pole tekstowe 3">
+            <a:extLst>
+              <a:ext uri="{FF2B5EF4-FFF2-40B4-BE49-F238E27FC236}">
+                <a16:creationId xmlns:a16="http://schemas.microsoft.com/office/drawing/2014/main" id="{A340E082-F646-4863-BCE4-4F87F93918AC}"/>
+              </a:ext>
+            </a:extLst>
+          </p:cNvPr>
+          <p:cNvSpPr txBox="1"/>
+          <p:nvPr/>
+        </p:nvSpPr>
+        <p:spPr>
+          <a:xfrm>
+            <a:off x="303588" y="1593054"/>
+            <a:ext cx="7979428" cy="1169551"/>
+          </a:xfrm>
+          <a:prstGeom prst="rect">
+            <a:avLst/>
+          </a:prstGeom>
+          <a:noFill/>
+        </p:spPr>
+        <p:txBody>
+          <a:bodyPr wrap="none" rtlCol="0">
+            <a:spAutoFit/>
+          </a:bodyPr>
+          <a:lstStyle/>
+          <a:p>
+            <a:r>
+              <a:rPr lang="en-US" sz="3500" b="1" u="sng" dirty="0" err="1"/>
+              <a:t>Jak</a:t>
+            </a:r>
+            <a:r>
+              <a:rPr lang="en-US" sz="3500" b="1" u="sng" dirty="0"/>
+              <a:t> </a:t>
+            </a:r>
+            <a:r>
+              <a:rPr lang="en-US" sz="3500" b="1" u="sng" dirty="0" err="1"/>
+              <a:t>oceniamy</a:t>
+            </a:r>
+            <a:r>
+              <a:rPr lang="en-US" sz="3500" b="1" u="sng" dirty="0"/>
+              <a:t> </a:t>
+            </a:r>
+            <a:r>
+              <a:rPr lang="en-US" sz="3500" b="1" u="sng" dirty="0" err="1"/>
+              <a:t>nasz</a:t>
+            </a:r>
+            <a:r>
+              <a:rPr lang="pl-PL" sz="3500" b="1" u="sng" dirty="0"/>
+              <a:t>ą pracę nad projektem?</a:t>
+            </a:r>
+          </a:p>
+          <a:p>
+            <a:r>
+              <a:rPr lang="pl-PL" sz="3500" b="1" u="sng" dirty="0"/>
+              <a:t>….</a:t>
+            </a:r>
+            <a:endParaRPr lang="pl-PL" sz="3500" dirty="0"/>
+          </a:p>
+        </p:txBody>
+      </p:sp>
+    </p:spTree>
+    <p:extLst>
+      <p:ext uri="{BB962C8B-B14F-4D97-AF65-F5344CB8AC3E}">
+        <p14:creationId xmlns:p14="http://schemas.microsoft.com/office/powerpoint/2010/main" val="2339353877"/>
+      </p:ext>
+    </p:extLst>
+  </p:cSld>
+  <p:clrMapOvr>
+    <a:masterClrMapping/>
+  </p:clrMapOvr>
+  <p:timing>
+    <p:tnLst>
+      <p:par>
+        <p:cTn id="1" dur="indefinite" restart="never" nodeType="tmRoot">
+          <p:childTnLst>
+            <p:seq concurrent="1" nextAc="seek">
+              <p:cTn id="2" dur="indefinite" nodeType="mainSeq">
+                <p:childTnLst>
+                  <p:par>
+                    <p:cTn id="3" fill="hold">
+                      <p:stCondLst>
+                        <p:cond delay="indefinite"/>
+                        <p:cond evt="onBegin" delay="0">
+                          <p:tn val="2"/>
+                        </p:cond>
+                      </p:stCondLst>
+                      <p:childTnLst>
+                        <p:par>
+                          <p:cTn id="4" fill="hold">
+                            <p:stCondLst>
+                              <p:cond delay="0"/>
+                            </p:stCondLst>
+                            <p:childTnLst>
+                              <p:par>
+                                <p:cTn id="5" presetID="14" presetClass="entr" presetSubtype="10" fill="hold" grpId="0" nodeType="afterEffect">
+                                  <p:stCondLst>
+                                    <p:cond delay="0"/>
+                                  </p:stCondLst>
+                                  <p:childTnLst>
+                                    <p:set>
+                                      <p:cBhvr>
+                                        <p:cTn id="6" dur="1" fill="hold">
+                                          <p:stCondLst>
+                                            <p:cond delay="0"/>
+                                          </p:stCondLst>
+                                        </p:cTn>
+                                        <p:tgtEl>
+                                          <p:spTgt spid="4"/>
+                                        </p:tgtEl>
+                                        <p:attrNameLst>
+                                          <p:attrName>style.visibility</p:attrName>
+                                        </p:attrNameLst>
+                                      </p:cBhvr>
+                                      <p:to>
+                                        <p:strVal val="visible"/>
+                                      </p:to>
+                                    </p:set>
+                                    <p:animEffect transition="in" filter="randombar(horizontal)">
+                                      <p:cBhvr>
+                                        <p:cTn id="7" dur="400"/>
+                                        <p:tgtEl>
+                                          <p:spTgt spid="4"/>
+                                        </p:tgtEl>
+                                      </p:cBhvr>
+                                    </p:animEffect>
+                                  </p:childTnLst>
+                                </p:cTn>
+                              </p:par>
+                            </p:childTnLst>
+                          </p:cTn>
+                        </p:par>
+                      </p:childTnLst>
+                    </p:cTn>
+                  </p:par>
+                </p:childTnLst>
+              </p:cTn>
+              <p:prevCondLst>
+                <p:cond evt="onPrev" delay="0">
+                  <p:tgtEl>
+                    <p:sldTgt/>
+                  </p:tgtEl>
+                </p:cond>
+              </p:prevCondLst>
+              <p:nextCondLst>
+                <p:cond evt="onNext" delay="0">
+                  <p:tgtEl>
+                    <p:sldTgt/>
+                  </p:tgtEl>
+                </p:cond>
+              </p:nextCondLst>
+            </p:seq>
+          </p:childTnLst>
+        </p:cTn>
+      </p:par>
+    </p:tnLst>
+    <p:bldLst>
+      <p:bldP spid="4" grpId="0"/>
+    </p:bldLst>
+  </p:timing>
+</p:sld>
+</file>
+
+<file path=ppt/slides/slide21.xml><?xml version="1.0" encoding="utf-8"?>
+<p:sld xmlns:a="http://schemas.openxmlformats.org/drawingml/2006/main" xmlns:r="http://schemas.openxmlformats.org/officeDocument/2006/relationships" xmlns:p="http://schemas.openxmlformats.org/presentationml/2006/main">
+  <p:cSld>
+    <p:bg>
+      <p:bgPr>
+        <a:blipFill dpi="0" rotWithShape="1">
+          <a:blip r:embed="rId2">
+            <a:alphaModFix amt="79000"/>
+            <a:lum/>
+          </a:blip>
+          <a:srcRect/>
+          <a:tile tx="0" ty="0" sx="100000" sy="100000" flip="none" algn="tl"/>
+        </a:blipFill>
+        <a:effectLst/>
+      </p:bgPr>
+    </p:bg>
+    <p:spTree>
+      <p:nvGrpSpPr>
+        <p:cNvPr id="1" name=""/>
+        <p:cNvGrpSpPr/>
+        <p:nvPr/>
+      </p:nvGrpSpPr>
+      <p:grpSpPr>
+        <a:xfrm>
+          <a:off x="0" y="0"/>
+          <a:ext cx="0" cy="0"/>
+          <a:chOff x="0" y="0"/>
+          <a:chExt cx="0" cy="0"/>
+        </a:xfrm>
+      </p:grpSpPr>
+      <p:sp>
+        <p:nvSpPr>
+          <p:cNvPr id="3" name="pole tekstowe 2">
+            <a:extLst>
+              <a:ext uri="{FF2B5EF4-FFF2-40B4-BE49-F238E27FC236}">
+                <a16:creationId xmlns:a16="http://schemas.microsoft.com/office/drawing/2014/main" id="{AADB1B61-54F6-4615-BBEC-E40C99C523AF}"/>
+              </a:ext>
+            </a:extLst>
+          </p:cNvPr>
+          <p:cNvSpPr txBox="1"/>
+          <p:nvPr/>
+        </p:nvSpPr>
+        <p:spPr>
+          <a:xfrm>
+            <a:off x="3636544" y="210693"/>
+            <a:ext cx="4918911" cy="861774"/>
+          </a:xfrm>
+          <a:prstGeom prst="rect">
+            <a:avLst/>
+          </a:prstGeom>
+          <a:noFill/>
+        </p:spPr>
+        <p:txBody>
+          <a:bodyPr wrap="none" rtlCol="0">
+            <a:spAutoFit/>
+          </a:bodyPr>
+          <a:lstStyle/>
+          <a:p>
+            <a:r>
+              <a:rPr lang="en-US" sz="5000" b="1" dirty="0"/>
+              <a:t>PODSUMOWANIE</a:t>
+            </a:r>
+            <a:endParaRPr lang="ru-RU" sz="5000" b="1" dirty="0"/>
+          </a:p>
+        </p:txBody>
+      </p:sp>
+      <p:sp>
+        <p:nvSpPr>
+          <p:cNvPr id="4" name="pole tekstowe 3">
+            <a:extLst>
+              <a:ext uri="{FF2B5EF4-FFF2-40B4-BE49-F238E27FC236}">
+                <a16:creationId xmlns:a16="http://schemas.microsoft.com/office/drawing/2014/main" id="{A340E082-F646-4863-BCE4-4F87F93918AC}"/>
+              </a:ext>
+            </a:extLst>
+          </p:cNvPr>
+          <p:cNvSpPr txBox="1"/>
+          <p:nvPr/>
+        </p:nvSpPr>
+        <p:spPr>
+          <a:xfrm>
+            <a:off x="303588" y="1593054"/>
+            <a:ext cx="8186536" cy="1169551"/>
+          </a:xfrm>
+          <a:prstGeom prst="rect">
+            <a:avLst/>
+          </a:prstGeom>
+          <a:noFill/>
+        </p:spPr>
+        <p:txBody>
+          <a:bodyPr wrap="none" rtlCol="0">
+            <a:spAutoFit/>
+          </a:bodyPr>
+          <a:lstStyle/>
+          <a:p>
+            <a:r>
+              <a:rPr lang="en-US" sz="3500" b="1" u="sng" dirty="0" err="1"/>
+              <a:t>Jak</a:t>
+            </a:r>
+            <a:r>
+              <a:rPr lang="en-US" sz="3500" b="1" u="sng" dirty="0"/>
+              <a:t> </a:t>
+            </a:r>
+            <a:r>
+              <a:rPr lang="en-US" sz="3500" b="1" u="sng" dirty="0" err="1"/>
+              <a:t>oceniamy</a:t>
+            </a:r>
+            <a:r>
+              <a:rPr lang="en-US" sz="3500" b="1" u="sng" dirty="0"/>
+              <a:t> </a:t>
+            </a:r>
+            <a:r>
+              <a:rPr lang="en-US" sz="3500" b="1" u="sng" dirty="0" err="1"/>
+              <a:t>nasz</a:t>
+            </a:r>
+            <a:r>
+              <a:rPr lang="pl-PL" sz="3500" b="1" u="sng" dirty="0"/>
+              <a:t>ą współpracę w zespole?</a:t>
+            </a:r>
+          </a:p>
+          <a:p>
+            <a:r>
+              <a:rPr lang="pl-PL" sz="3500" b="1" u="sng" dirty="0"/>
+              <a:t>….</a:t>
+            </a:r>
+            <a:endParaRPr lang="pl-PL" sz="3500" dirty="0"/>
+          </a:p>
+        </p:txBody>
+      </p:sp>
+    </p:spTree>
+    <p:extLst>
+      <p:ext uri="{BB962C8B-B14F-4D97-AF65-F5344CB8AC3E}">
+        <p14:creationId xmlns:p14="http://schemas.microsoft.com/office/powerpoint/2010/main" val="1283719884"/>
+      </p:ext>
+    </p:extLst>
+  </p:cSld>
+  <p:clrMapOvr>
+    <a:masterClrMapping/>
+  </p:clrMapOvr>
+  <p:timing>
+    <p:tnLst>
+      <p:par>
+        <p:cTn id="1" dur="indefinite" restart="never" nodeType="tmRoot">
+          <p:childTnLst>
+            <p:seq concurrent="1" nextAc="seek">
+              <p:cTn id="2" dur="indefinite" nodeType="mainSeq">
+                <p:childTnLst>
+                  <p:par>
+                    <p:cTn id="3" fill="hold">
+                      <p:stCondLst>
+                        <p:cond delay="indefinite"/>
+                        <p:cond evt="onBegin" delay="0">
+                          <p:tn val="2"/>
+                        </p:cond>
+                      </p:stCondLst>
+                      <p:childTnLst>
+                        <p:par>
+                          <p:cTn id="4" fill="hold">
+                            <p:stCondLst>
+                              <p:cond delay="0"/>
+                            </p:stCondLst>
+                            <p:childTnLst>
+                              <p:par>
+                                <p:cTn id="5" presetID="14" presetClass="entr" presetSubtype="10" fill="hold" grpId="0" nodeType="afterEffect">
+                                  <p:stCondLst>
+                                    <p:cond delay="0"/>
+                                  </p:stCondLst>
+                                  <p:childTnLst>
+                                    <p:set>
+                                      <p:cBhvr>
+                                        <p:cTn id="6" dur="1" fill="hold">
+                                          <p:stCondLst>
+                                            <p:cond delay="0"/>
+                                          </p:stCondLst>
+                                        </p:cTn>
+                                        <p:tgtEl>
+                                          <p:spTgt spid="4"/>
+                                        </p:tgtEl>
+                                        <p:attrNameLst>
+                                          <p:attrName>style.visibility</p:attrName>
+                                        </p:attrNameLst>
+                                      </p:cBhvr>
+                                      <p:to>
+                                        <p:strVal val="visible"/>
+                                      </p:to>
+                                    </p:set>
+                                    <p:animEffect transition="in" filter="randombar(horizontal)">
+                                      <p:cBhvr>
+                                        <p:cTn id="7" dur="400"/>
+                                        <p:tgtEl>
+                                          <p:spTgt spid="4"/>
+                                        </p:tgtEl>
+                                      </p:cBhvr>
+                                    </p:animEffect>
+                                  </p:childTnLst>
+                                </p:cTn>
+                              </p:par>
+                            </p:childTnLst>
+                          </p:cTn>
+                        </p:par>
+                      </p:childTnLst>
+                    </p:cTn>
+                  </p:par>
+                </p:childTnLst>
+              </p:cTn>
+              <p:prevCondLst>
+                <p:cond evt="onPrev" delay="0">
+                  <p:tgtEl>
+                    <p:sldTgt/>
+                  </p:tgtEl>
+                </p:cond>
+              </p:prevCondLst>
+              <p:nextCondLst>
+                <p:cond evt="onNext" delay="0">
+                  <p:tgtEl>
+                    <p:sldTgt/>
+                  </p:tgtEl>
+                </p:cond>
+              </p:nextCondLst>
+            </p:seq>
+          </p:childTnLst>
+        </p:cTn>
+      </p:par>
+    </p:tnLst>
+    <p:bldLst>
+      <p:bldP spid="4" grpId="0"/>
+    </p:bldLst>
+  </p:timing>
+</p:sld>
+</file>
+
+<file path=ppt/slides/slide22.xml><?xml version="1.0" encoding="utf-8"?>
+<p:sld xmlns:a="http://schemas.openxmlformats.org/drawingml/2006/main" xmlns:r="http://schemas.openxmlformats.org/officeDocument/2006/relationships" xmlns:p="http://schemas.openxmlformats.org/presentationml/2006/main">
+  <p:cSld>
+    <p:bg>
+      <p:bgPr>
+        <a:blipFill dpi="0" rotWithShape="1">
+          <a:blip r:embed="rId2">
+            <a:alphaModFix amt="79000"/>
+            <a:lum/>
+          </a:blip>
+          <a:srcRect/>
+          <a:tile tx="0" ty="0" sx="100000" sy="100000" flip="none" algn="tl"/>
+        </a:blipFill>
+        <a:effectLst/>
+      </p:bgPr>
+    </p:bg>
+    <p:spTree>
+      <p:nvGrpSpPr>
+        <p:cNvPr id="1" name=""/>
+        <p:cNvGrpSpPr/>
+        <p:nvPr/>
+      </p:nvGrpSpPr>
+      <p:grpSpPr>
+        <a:xfrm>
+          <a:off x="0" y="0"/>
+          <a:ext cx="0" cy="0"/>
+          <a:chOff x="0" y="0"/>
+          <a:chExt cx="0" cy="0"/>
+        </a:xfrm>
+      </p:grpSpPr>
+      <p:sp>
+        <p:nvSpPr>
+          <p:cNvPr id="3" name="pole tekstowe 2">
+            <a:extLst>
+              <a:ext uri="{FF2B5EF4-FFF2-40B4-BE49-F238E27FC236}">
+                <a16:creationId xmlns:a16="http://schemas.microsoft.com/office/drawing/2014/main" id="{AADB1B61-54F6-4615-BBEC-E40C99C523AF}"/>
+              </a:ext>
+            </a:extLst>
+          </p:cNvPr>
+          <p:cNvSpPr txBox="1"/>
+          <p:nvPr/>
+        </p:nvSpPr>
+        <p:spPr>
+          <a:xfrm>
+            <a:off x="3636544" y="210693"/>
+            <a:ext cx="4918911" cy="861774"/>
+          </a:xfrm>
+          <a:prstGeom prst="rect">
+            <a:avLst/>
+          </a:prstGeom>
+          <a:noFill/>
+        </p:spPr>
+        <p:txBody>
+          <a:bodyPr wrap="none" rtlCol="0">
+            <a:spAutoFit/>
+          </a:bodyPr>
+          <a:lstStyle/>
+          <a:p>
+            <a:r>
+              <a:rPr lang="en-US" sz="5000" b="1" dirty="0"/>
+              <a:t>PODSUMOWANIE</a:t>
+            </a:r>
+            <a:endParaRPr lang="ru-RU" sz="5000" b="1" dirty="0"/>
+          </a:p>
+        </p:txBody>
+      </p:sp>
+      <p:sp>
+        <p:nvSpPr>
+          <p:cNvPr id="4" name="pole tekstowe 3">
+            <a:extLst>
+              <a:ext uri="{FF2B5EF4-FFF2-40B4-BE49-F238E27FC236}">
+                <a16:creationId xmlns:a16="http://schemas.microsoft.com/office/drawing/2014/main" id="{A340E082-F646-4863-BCE4-4F87F93918AC}"/>
+              </a:ext>
+            </a:extLst>
+          </p:cNvPr>
+          <p:cNvSpPr txBox="1"/>
+          <p:nvPr/>
+        </p:nvSpPr>
+        <p:spPr>
+          <a:xfrm>
+            <a:off x="303588" y="1593054"/>
+            <a:ext cx="5066259" cy="1169551"/>
+          </a:xfrm>
+          <a:prstGeom prst="rect">
+            <a:avLst/>
+          </a:prstGeom>
+          <a:noFill/>
+        </p:spPr>
+        <p:txBody>
+          <a:bodyPr wrap="none" rtlCol="0">
+            <a:spAutoFit/>
+          </a:bodyPr>
+          <a:lstStyle/>
+          <a:p>
+            <a:r>
+              <a:rPr lang="pl-PL" sz="3500" b="1" u="sng" dirty="0"/>
+              <a:t>Co byś my chcieli dorobić?</a:t>
+            </a:r>
+          </a:p>
+          <a:p>
+            <a:r>
+              <a:rPr lang="pl-PL" sz="3500" b="1" u="sng" dirty="0"/>
+              <a:t>….</a:t>
+            </a:r>
+            <a:endParaRPr lang="pl-PL" sz="3500" dirty="0"/>
+          </a:p>
+        </p:txBody>
+      </p:sp>
+    </p:spTree>
+    <p:extLst>
+      <p:ext uri="{BB962C8B-B14F-4D97-AF65-F5344CB8AC3E}">
+        <p14:creationId xmlns:p14="http://schemas.microsoft.com/office/powerpoint/2010/main" val="2278003570"/>
+      </p:ext>
+    </p:extLst>
+  </p:cSld>
+  <p:clrMapOvr>
+    <a:masterClrMapping/>
+  </p:clrMapOvr>
+  <p:timing>
+    <p:tnLst>
+      <p:par>
+        <p:cTn id="1" dur="indefinite" restart="never" nodeType="tmRoot">
+          <p:childTnLst>
+            <p:seq concurrent="1" nextAc="seek">
+              <p:cTn id="2" dur="indefinite" nodeType="mainSeq">
+                <p:childTnLst>
+                  <p:par>
+                    <p:cTn id="3" fill="hold">
+                      <p:stCondLst>
+                        <p:cond delay="indefinite"/>
+                        <p:cond evt="onBegin" delay="0">
+                          <p:tn val="2"/>
+                        </p:cond>
+                      </p:stCondLst>
+                      <p:childTnLst>
+                        <p:par>
+                          <p:cTn id="4" fill="hold">
+                            <p:stCondLst>
+                              <p:cond delay="0"/>
+                            </p:stCondLst>
+                            <p:childTnLst>
+                              <p:par>
+                                <p:cTn id="5" presetID="14" presetClass="entr" presetSubtype="10" fill="hold" grpId="0" nodeType="afterEffect">
+                                  <p:stCondLst>
+                                    <p:cond delay="0"/>
+                                  </p:stCondLst>
+                                  <p:childTnLst>
+                                    <p:set>
+                                      <p:cBhvr>
+                                        <p:cTn id="6" dur="1" fill="hold">
+                                          <p:stCondLst>
+                                            <p:cond delay="0"/>
+                                          </p:stCondLst>
+                                        </p:cTn>
+                                        <p:tgtEl>
+                                          <p:spTgt spid="4"/>
+                                        </p:tgtEl>
+                                        <p:attrNameLst>
+                                          <p:attrName>style.visibility</p:attrName>
+                                        </p:attrNameLst>
+                                      </p:cBhvr>
+                                      <p:to>
+                                        <p:strVal val="visible"/>
+                                      </p:to>
+                                    </p:set>
+                                    <p:animEffect transition="in" filter="randombar(horizontal)">
+                                      <p:cBhvr>
+                                        <p:cTn id="7" dur="400"/>
+                                        <p:tgtEl>
+                                          <p:spTgt spid="4"/>
+                                        </p:tgtEl>
+                                      </p:cBhvr>
+                                    </p:animEffect>
+                                  </p:childTnLst>
+                                </p:cTn>
+                              </p:par>
+                            </p:childTnLst>
+                          </p:cTn>
+                        </p:par>
+                      </p:childTnLst>
+                    </p:cTn>
+                  </p:par>
+                </p:childTnLst>
+              </p:cTn>
+              <p:prevCondLst>
+                <p:cond evt="onPrev" delay="0">
+                  <p:tgtEl>
+                    <p:sldTgt/>
+                  </p:tgtEl>
+                </p:cond>
+              </p:prevCondLst>
+              <p:nextCondLst>
+                <p:cond evt="onNext" delay="0">
+                  <p:tgtEl>
+                    <p:sldTgt/>
+                  </p:tgtEl>
+                </p:cond>
+              </p:nextCondLst>
+            </p:seq>
+          </p:childTnLst>
+        </p:cTn>
+      </p:par>
+    </p:tnLst>
+    <p:bldLst>
+      <p:bldP spid="4" grpId="0"/>
+    </p:bldLst>
+  </p:timing>
+</p:sld>
+</file>
+
+<file path=ppt/slides/slide23.xml><?xml version="1.0" encoding="utf-8"?>
+<p:sld xmlns:a="http://schemas.openxmlformats.org/drawingml/2006/main" xmlns:r="http://schemas.openxmlformats.org/officeDocument/2006/relationships" xmlns:p="http://schemas.openxmlformats.org/presentationml/2006/main">
+  <p:cSld>
+    <p:bg>
+      <p:bgPr>
+        <a:blipFill dpi="0" rotWithShape="1">
+          <a:blip r:embed="rId2">
+            <a:alphaModFix amt="79000"/>
+            <a:lum/>
+          </a:blip>
+          <a:srcRect/>
+          <a:tile tx="0" ty="0" sx="100000" sy="100000" flip="none" algn="tl"/>
+        </a:blipFill>
+        <a:effectLst/>
+      </p:bgPr>
+    </p:bg>
+    <p:spTree>
+      <p:nvGrpSpPr>
+        <p:cNvPr id="1" name=""/>
+        <p:cNvGrpSpPr/>
+        <p:nvPr/>
+      </p:nvGrpSpPr>
+      <p:grpSpPr>
+        <a:xfrm>
+          <a:off x="0" y="0"/>
+          <a:ext cx="0" cy="0"/>
+          <a:chOff x="0" y="0"/>
+          <a:chExt cx="0" cy="0"/>
+        </a:xfrm>
+      </p:grpSpPr>
+      <p:sp>
+        <p:nvSpPr>
+          <p:cNvPr id="3" name="pole tekstowe 2">
+            <a:extLst>
+              <a:ext uri="{FF2B5EF4-FFF2-40B4-BE49-F238E27FC236}">
+                <a16:creationId xmlns:a16="http://schemas.microsoft.com/office/drawing/2014/main" id="{AADB1B61-54F6-4615-BBEC-E40C99C523AF}"/>
+              </a:ext>
+            </a:extLst>
+          </p:cNvPr>
+          <p:cNvSpPr txBox="1"/>
+          <p:nvPr/>
+        </p:nvSpPr>
+        <p:spPr>
+          <a:xfrm>
+            <a:off x="3636544" y="210693"/>
+            <a:ext cx="4918911" cy="861774"/>
+          </a:xfrm>
+          <a:prstGeom prst="rect">
+            <a:avLst/>
+          </a:prstGeom>
+          <a:noFill/>
+        </p:spPr>
+        <p:txBody>
+          <a:bodyPr wrap="none" rtlCol="0">
+            <a:spAutoFit/>
+          </a:bodyPr>
+          <a:lstStyle/>
+          <a:p>
+            <a:r>
+              <a:rPr lang="en-US" sz="5000" b="1" dirty="0"/>
+              <a:t>PODSUMOWANIE</a:t>
+            </a:r>
+            <a:endParaRPr lang="ru-RU" sz="5000" b="1" dirty="0"/>
+          </a:p>
+        </p:txBody>
+      </p:sp>
+      <p:sp>
+        <p:nvSpPr>
+          <p:cNvPr id="4" name="pole tekstowe 3">
+            <a:extLst>
+              <a:ext uri="{FF2B5EF4-FFF2-40B4-BE49-F238E27FC236}">
+                <a16:creationId xmlns:a16="http://schemas.microsoft.com/office/drawing/2014/main" id="{A340E082-F646-4863-BCE4-4F87F93918AC}"/>
+              </a:ext>
+            </a:extLst>
+          </p:cNvPr>
+          <p:cNvSpPr txBox="1"/>
+          <p:nvPr/>
+        </p:nvSpPr>
+        <p:spPr>
+          <a:xfrm>
+            <a:off x="303588" y="1593054"/>
+            <a:ext cx="9196428" cy="1169551"/>
+          </a:xfrm>
+          <a:prstGeom prst="rect">
+            <a:avLst/>
+          </a:prstGeom>
+          <a:noFill/>
+        </p:spPr>
+        <p:txBody>
+          <a:bodyPr wrap="none" rtlCol="0">
+            <a:spAutoFit/>
+          </a:bodyPr>
+          <a:lstStyle/>
+          <a:p>
+            <a:r>
+              <a:rPr lang="pl-PL" sz="3500" b="1" u="sng" dirty="0"/>
+              <a:t>Co byś my poprawili przy następnej współprace?</a:t>
+            </a:r>
+          </a:p>
+          <a:p>
+            <a:r>
+              <a:rPr lang="pl-PL" sz="3500" b="1" u="sng" dirty="0"/>
+              <a:t>….</a:t>
+            </a:r>
+            <a:endParaRPr lang="pl-PL" sz="3500" dirty="0"/>
+          </a:p>
+        </p:txBody>
+      </p:sp>
+    </p:spTree>
+    <p:extLst>
+      <p:ext uri="{BB962C8B-B14F-4D97-AF65-F5344CB8AC3E}">
+        <p14:creationId xmlns:p14="http://schemas.microsoft.com/office/powerpoint/2010/main" val="3530239732"/>
+      </p:ext>
+    </p:extLst>
+  </p:cSld>
+  <p:clrMapOvr>
+    <a:masterClrMapping/>
+  </p:clrMapOvr>
+  <p:timing>
+    <p:tnLst>
+      <p:par>
+        <p:cTn id="1" dur="indefinite" restart="never" nodeType="tmRoot">
+          <p:childTnLst>
+            <p:seq concurrent="1" nextAc="seek">
+              <p:cTn id="2" dur="indefinite" nodeType="mainSeq">
+                <p:childTnLst>
+                  <p:par>
+                    <p:cTn id="3" fill="hold">
+                      <p:stCondLst>
+                        <p:cond delay="indefinite"/>
+                        <p:cond evt="onBegin" delay="0">
+                          <p:tn val="2"/>
+                        </p:cond>
+                      </p:stCondLst>
+                      <p:childTnLst>
+                        <p:par>
+                          <p:cTn id="4" fill="hold">
+                            <p:stCondLst>
+                              <p:cond delay="0"/>
+                            </p:stCondLst>
+                            <p:childTnLst>
+                              <p:par>
+                                <p:cTn id="5" presetID="14" presetClass="entr" presetSubtype="10" fill="hold" grpId="0" nodeType="afterEffect">
+                                  <p:stCondLst>
+                                    <p:cond delay="0"/>
+                                  </p:stCondLst>
+                                  <p:childTnLst>
+                                    <p:set>
+                                      <p:cBhvr>
+                                        <p:cTn id="6" dur="1" fill="hold">
+                                          <p:stCondLst>
+                                            <p:cond delay="0"/>
+                                          </p:stCondLst>
+                                        </p:cTn>
+                                        <p:tgtEl>
+                                          <p:spTgt spid="4"/>
+                                        </p:tgtEl>
+                                        <p:attrNameLst>
+                                          <p:attrName>style.visibility</p:attrName>
+                                        </p:attrNameLst>
+                                      </p:cBhvr>
+                                      <p:to>
+                                        <p:strVal val="visible"/>
+                                      </p:to>
+                                    </p:set>
+                                    <p:animEffect transition="in" filter="randombar(horizontal)">
+                                      <p:cBhvr>
+                                        <p:cTn id="7" dur="400"/>
+                                        <p:tgtEl>
+                                          <p:spTgt spid="4"/>
+                                        </p:tgtEl>
+                                      </p:cBhvr>
+                                    </p:animEffect>
+                                  </p:childTnLst>
+                                </p:cTn>
+                              </p:par>
+                            </p:childTnLst>
+                          </p:cTn>
+                        </p:par>
+                      </p:childTnLst>
+                    </p:cTn>
+                  </p:par>
+                </p:childTnLst>
+              </p:cTn>
+              <p:prevCondLst>
+                <p:cond evt="onPrev" delay="0">
+                  <p:tgtEl>
+                    <p:sldTgt/>
+                  </p:tgtEl>
+                </p:cond>
+              </p:prevCondLst>
+              <p:nextCondLst>
+                <p:cond evt="onNext" delay="0">
+                  <p:tgtEl>
+                    <p:sldTgt/>
+                  </p:tgtEl>
+                </p:cond>
+              </p:nextCondLst>
+            </p:seq>
+          </p:childTnLst>
+        </p:cTn>
+      </p:par>
+    </p:tnLst>
+    <p:bldLst>
+      <p:bldP spid="4" grpId="0"/>
+    </p:bldLst>
+  </p:timing>
+</p:sld>
+</file>
+
+<file path=ppt/slides/slide24.xml><?xml version="1.0" encoding="utf-8"?>
+<p:sld xmlns:a="http://schemas.openxmlformats.org/drawingml/2006/main" xmlns:r="http://schemas.openxmlformats.org/officeDocument/2006/relationships" xmlns:p="http://schemas.openxmlformats.org/presentationml/2006/main">
+  <p:cSld>
+    <p:bg>
+      <p:bgPr>
+        <a:blipFill dpi="0" rotWithShape="1">
+          <a:blip r:embed="rId2">
+            <a:alphaModFix amt="79000"/>
+            <a:lum/>
+          </a:blip>
+          <a:srcRect/>
+          <a:tile tx="0" ty="0" sx="100000" sy="100000" flip="none" algn="tl"/>
+        </a:blipFill>
+        <a:effectLst/>
+      </p:bgPr>
+    </p:bg>
+    <p:spTree>
+      <p:nvGrpSpPr>
+        <p:cNvPr id="1" name=""/>
+        <p:cNvGrpSpPr/>
+        <p:nvPr/>
+      </p:nvGrpSpPr>
+      <p:grpSpPr>
+        <a:xfrm>
+          <a:off x="0" y="0"/>
+          <a:ext cx="0" cy="0"/>
+          <a:chOff x="0" y="0"/>
+          <a:chExt cx="0" cy="0"/>
+        </a:xfrm>
+      </p:grpSpPr>
+      <p:sp>
+        <p:nvSpPr>
+          <p:cNvPr id="3" name="pole tekstowe 2">
+            <a:extLst>
+              <a:ext uri="{FF2B5EF4-FFF2-40B4-BE49-F238E27FC236}">
+                <a16:creationId xmlns:a16="http://schemas.microsoft.com/office/drawing/2014/main" id="{AADB1B61-54F6-4615-BBEC-E40C99C523AF}"/>
+              </a:ext>
+            </a:extLst>
+          </p:cNvPr>
+          <p:cNvSpPr txBox="1"/>
+          <p:nvPr/>
+        </p:nvSpPr>
+        <p:spPr>
+          <a:xfrm>
+            <a:off x="2033093" y="2921168"/>
+            <a:ext cx="8125814" cy="1015663"/>
+          </a:xfrm>
+          <a:prstGeom prst="rect">
+            <a:avLst/>
+          </a:prstGeom>
+          <a:noFill/>
+        </p:spPr>
+        <p:txBody>
+          <a:bodyPr wrap="none" rtlCol="0">
+            <a:spAutoFit/>
+          </a:bodyPr>
+          <a:lstStyle/>
+          <a:p>
+            <a:r>
+              <a:rPr lang="pl-PL" sz="6000" b="1" dirty="0"/>
+              <a:t>DZIĘKUJEMY ZA UWAGĘ!</a:t>
+            </a:r>
+            <a:endParaRPr lang="ru-RU" sz="6000" b="1" dirty="0"/>
+          </a:p>
+        </p:txBody>
+      </p:sp>
+    </p:spTree>
+    <p:extLst>
+      <p:ext uri="{BB962C8B-B14F-4D97-AF65-F5344CB8AC3E}">
+        <p14:creationId xmlns:p14="http://schemas.microsoft.com/office/powerpoint/2010/main" val="2045313906"/>
       </p:ext>
     </p:extLst>
   </p:cSld>
@@ -4840,7 +8531,7 @@
         <p:spPr>
           <a:xfrm>
             <a:off x="3020606" y="2574920"/>
-            <a:ext cx="6150786" cy="1708160"/>
+            <a:ext cx="6812955" cy="1708160"/>
           </a:xfrm>
           <a:prstGeom prst="rect">
             <a:avLst/>
@@ -4859,7 +8550,27 @@
             </a:pPr>
             <a:r>
               <a:rPr lang="pl-PL" sz="3500" dirty="0"/>
-              <a:t>Wybór tematu aplikacji.</a:t>
+              <a:t>Wybór tematu </a:t>
+            </a:r>
+            <a:r>
+              <a:rPr lang="en-US" sz="3500" dirty="0" err="1"/>
+              <a:t>i</a:t>
+            </a:r>
+            <a:r>
+              <a:rPr lang="en-US" sz="3500" dirty="0"/>
+              <a:t> </a:t>
+            </a:r>
+            <a:r>
+              <a:rPr lang="en-US" sz="3500" dirty="0" err="1"/>
+              <a:t>koncepcji</a:t>
+            </a:r>
+            <a:r>
+              <a:rPr lang="en-US" sz="3500" dirty="0"/>
+              <a:t> </a:t>
+            </a:r>
+            <a:r>
+              <a:rPr lang="pl-PL" sz="3500" dirty="0"/>
+              <a:t>aplikacji.</a:t>
             </a:r>
           </a:p>
           <a:p>
@@ -4895,6 +8606,95 @@
   <p:clrMapOvr>
     <a:masterClrMapping/>
   </p:clrMapOvr>
+  <p:timing>
+    <p:tnLst>
+      <p:par>
+        <p:cTn id="1" dur="indefinite" restart="never" nodeType="tmRoot">
+          <p:childTnLst>
+            <p:seq concurrent="1" nextAc="seek">
+              <p:cTn id="2" dur="indefinite" nodeType="mainSeq">
+                <p:childTnLst>
+                  <p:par>
+                    <p:cTn id="3" fill="hold">
+                      <p:stCondLst>
+                        <p:cond delay="indefinite"/>
+                        <p:cond evt="onBegin" delay="0">
+                          <p:tn val="2"/>
+                        </p:cond>
+                      </p:stCondLst>
+                      <p:childTnLst>
+                        <p:par>
+                          <p:cTn id="4" fill="hold">
+                            <p:stCondLst>
+                              <p:cond delay="0"/>
+                            </p:stCondLst>
+                            <p:childTnLst>
+                              <p:par>
+                                <p:cTn id="5" presetID="14" presetClass="entr" presetSubtype="10" fill="hold" grpId="0" nodeType="afterEffect">
+                                  <p:stCondLst>
+                                    <p:cond delay="0"/>
+                                  </p:stCondLst>
+                                  <p:childTnLst>
+                                    <p:set>
+                                      <p:cBhvr>
+                                        <p:cTn id="6" dur="1" fill="hold">
+                                          <p:stCondLst>
+                                            <p:cond delay="0"/>
+                                          </p:stCondLst>
+                                        </p:cTn>
+                                        <p:tgtEl>
+                                          <p:spTgt spid="4"/>
+                                        </p:tgtEl>
+                                        <p:attrNameLst>
+                                          <p:attrName>style.visibility</p:attrName>
+                                        </p:attrNameLst>
+                                      </p:cBhvr>
+                                      <p:to>
+                                        <p:strVal val="visible"/>
+                                      </p:to>
+                                    </p:set>
+                                    <p:animEffect transition="in" filter="randombar(horizontal)">
+                                      <p:cBhvr>
+                                        <p:cTn id="7" dur="400"/>
+                                        <p:tgtEl>
+                                          <p:spTgt spid="4"/>
+                                        </p:tgtEl>
+                                      </p:cBhvr>
+                                    </p:animEffect>
+                                  </p:childTnLst>
+                                </p:cTn>
+                              </p:par>
+                            </p:childTnLst>
+                          </p:cTn>
+                        </p:par>
+                      </p:childTnLst>
+                    </p:cTn>
+                  </p:par>
+                </p:childTnLst>
+              </p:cTn>
+              <p:prevCondLst>
+                <p:cond evt="onPrev" delay="0">
+                  <p:tgtEl>
+                    <p:sldTgt/>
+                  </p:tgtEl>
+                </p:cond>
+              </p:prevCondLst>
+              <p:nextCondLst>
+                <p:cond evt="onNext" delay="0">
+                  <p:tgtEl>
+                    <p:sldTgt/>
+                  </p:tgtEl>
+                </p:cond>
+              </p:nextCondLst>
+            </p:seq>
+          </p:childTnLst>
+        </p:cTn>
+      </p:par>
+    </p:tnLst>
+    <p:bldLst>
+      <p:bldP spid="4" grpId="0"/>
+    </p:bldLst>
+  </p:timing>
 </p:sld>
 </file>
 
@@ -4930,10 +8730,10 @@
       </p:grpSpPr>
       <p:sp>
         <p:nvSpPr>
-          <p:cNvPr id="2" name="pole tekstowe 1">
-            <a:extLst>
-              <a:ext uri="{FF2B5EF4-FFF2-40B4-BE49-F238E27FC236}">
-                <a16:creationId xmlns:a16="http://schemas.microsoft.com/office/drawing/2014/main" id="{B64D6E9D-B73A-4C8D-938F-764FADA6BB1A}"/>
+          <p:cNvPr id="5" name="pole tekstowe 4">
+            <a:extLst>
+              <a:ext uri="{FF2B5EF4-FFF2-40B4-BE49-F238E27FC236}">
+                <a16:creationId xmlns:a16="http://schemas.microsoft.com/office/drawing/2014/main" id="{4658FD8D-F875-4076-B369-C68B758FDA7B}"/>
               </a:ext>
             </a:extLst>
           </p:cNvPr>
@@ -4942,8 +8742,8 @@
         </p:nvSpPr>
         <p:spPr>
           <a:xfrm>
-            <a:off x="4446798" y="369443"/>
-            <a:ext cx="3298403" cy="861774"/>
+            <a:off x="3692938" y="203595"/>
+            <a:ext cx="4210192" cy="861774"/>
           </a:xfrm>
           <a:prstGeom prst="rect">
             <a:avLst/>
@@ -4957,8 +8757,8 @@
           <a:lstStyle/>
           <a:p>
             <a:r>
-              <a:rPr lang="pl-PL" sz="5000" b="1" dirty="0"/>
-              <a:t>2. ITERACJA</a:t>
+              <a:rPr lang="en-US" sz="5000" b="1" dirty="0"/>
+              <a:t>OPIS APLIKACJI</a:t>
             </a:r>
             <a:endParaRPr lang="ru-RU" sz="5000" b="1" dirty="0"/>
           </a:p>
@@ -4966,10 +8766,10 @@
       </p:sp>
       <p:sp>
         <p:nvSpPr>
-          <p:cNvPr id="3" name="pole tekstowe 2">
-            <a:extLst>
-              <a:ext uri="{FF2B5EF4-FFF2-40B4-BE49-F238E27FC236}">
-                <a16:creationId xmlns:a16="http://schemas.microsoft.com/office/drawing/2014/main" id="{BD5E7245-5C56-41DA-8110-C0550B425FC3}"/>
+          <p:cNvPr id="2" name="pole tekstowe 1">
+            <a:extLst>
+              <a:ext uri="{FF2B5EF4-FFF2-40B4-BE49-F238E27FC236}">
+                <a16:creationId xmlns:a16="http://schemas.microsoft.com/office/drawing/2014/main" id="{42A643DB-A916-417E-AE7A-6A305056C165}"/>
               </a:ext>
             </a:extLst>
           </p:cNvPr>
@@ -4978,8 +8778,8 @@
         </p:nvSpPr>
         <p:spPr>
           <a:xfrm>
-            <a:off x="1807891" y="2036311"/>
-            <a:ext cx="8483476" cy="2785378"/>
+            <a:off x="311955" y="4319994"/>
+            <a:ext cx="11619694" cy="1708160"/>
           </a:xfrm>
           <a:prstGeom prst="rect">
             <a:avLst/>
@@ -4987,73 +8787,351 @@
           <a:noFill/>
         </p:spPr>
         <p:txBody>
-          <a:bodyPr wrap="none" rtlCol="0">
+          <a:bodyPr wrap="square" rtlCol="0">
             <a:spAutoFit/>
           </a:bodyPr>
           <a:lstStyle/>
           <a:p>
-            <a:pPr marL="285750" indent="-285750" algn="just">
-              <a:buFontTx/>
-              <a:buChar char="-"/>
-            </a:pPr>
+            <a:r>
+              <a:rPr lang="pl-PL" sz="3500" b="1" u="sng" dirty="0"/>
+              <a:t>Sposób działania:</a:t>
+            </a:r>
             <a:r>
               <a:rPr lang="pl-PL" sz="3500" dirty="0"/>
-              <a:t>Wybór narzędzi do komunikacji.</a:t>
-            </a:r>
-          </a:p>
-          <a:p>
-            <a:pPr marL="285750" indent="-285750" algn="just">
-              <a:buFontTx/>
-              <a:buChar char="-"/>
-            </a:pPr>
+              <a:t> użytkownik podaje na stronie zestaw składników</a:t>
+            </a:r>
+            <a:r>
+              <a:rPr lang="en-US" sz="3500" dirty="0"/>
+              <a:t> </a:t>
+            </a:r>
             <a:r>
               <a:rPr lang="pl-PL" sz="3500" dirty="0"/>
-              <a:t>Wybór narzędzi do tworzenia dokumentacji.</a:t>
-            </a:r>
-          </a:p>
-          <a:p>
-            <a:pPr marL="285750" indent="-285750" algn="just">
-              <a:buFontTx/>
-              <a:buChar char="-"/>
-            </a:pPr>
+              <a:t>z którego chce przegotować pyszne danie, a aplikacja wyszukuje idealne propozycje dań z tych składników!</a:t>
+            </a:r>
+          </a:p>
+        </p:txBody>
+      </p:sp>
+      <p:sp>
+        <p:nvSpPr>
+          <p:cNvPr id="6" name="pole tekstowe 5">
+            <a:extLst>
+              <a:ext uri="{FF2B5EF4-FFF2-40B4-BE49-F238E27FC236}">
+                <a16:creationId xmlns:a16="http://schemas.microsoft.com/office/drawing/2014/main" id="{CE51A333-D627-4473-A991-F7CB0B22AE32}"/>
+              </a:ext>
+            </a:extLst>
+          </p:cNvPr>
+          <p:cNvSpPr txBox="1"/>
+          <p:nvPr/>
+        </p:nvSpPr>
+        <p:spPr>
+          <a:xfrm>
+            <a:off x="311955" y="1435777"/>
+            <a:ext cx="11619694" cy="630942"/>
+          </a:xfrm>
+          <a:prstGeom prst="rect">
+            <a:avLst/>
+          </a:prstGeom>
+          <a:noFill/>
+        </p:spPr>
+        <p:txBody>
+          <a:bodyPr wrap="square" rtlCol="0">
+            <a:spAutoFit/>
+          </a:bodyPr>
+          <a:lstStyle/>
+          <a:p>
+            <a:r>
+              <a:rPr lang="en-US" sz="3500" b="1" u="sng" dirty="0" err="1"/>
+              <a:t>Nazwa</a:t>
+            </a:r>
+            <a:r>
+              <a:rPr lang="pl-PL" sz="3500" b="1" u="sng" dirty="0"/>
+              <a:t>:</a:t>
+            </a:r>
             <a:r>
               <a:rPr lang="pl-PL" sz="3500" dirty="0"/>
-              <a:t>Wybór narzędzi do tworzenia aplikacji.</a:t>
-            </a:r>
-          </a:p>
-          <a:p>
-            <a:pPr marL="285750" indent="-285750" algn="just">
-              <a:buFontTx/>
-              <a:buChar char="-"/>
-            </a:pPr>
+              <a:t> „</a:t>
+            </a:r>
+            <a:r>
+              <a:rPr lang="en-US" sz="3500" dirty="0" err="1"/>
+              <a:t>Gotowanie</a:t>
+            </a:r>
+            <a:r>
+              <a:rPr lang="en-US" sz="3500" dirty="0"/>
+              <a:t> jest </a:t>
+            </a:r>
+            <a:r>
+              <a:rPr lang="en-US" sz="3500" dirty="0" err="1"/>
+              <a:t>łatwe</a:t>
+            </a:r>
+            <a:r>
+              <a:rPr lang="en-US" sz="3500" dirty="0"/>
+              <a:t>!</a:t>
+            </a:r>
             <a:r>
               <a:rPr lang="pl-PL" sz="3500" dirty="0"/>
-              <a:t>Planowanie podziału pracy.</a:t>
-            </a:r>
-          </a:p>
-          <a:p>
-            <a:pPr marL="285750" indent="-285750" algn="just">
-              <a:buFontTx/>
-              <a:buChar char="-"/>
-            </a:pPr>
+              <a:t>”.</a:t>
+            </a:r>
+          </a:p>
+        </p:txBody>
+      </p:sp>
+      <p:sp>
+        <p:nvSpPr>
+          <p:cNvPr id="7" name="pole tekstowe 6">
+            <a:extLst>
+              <a:ext uri="{FF2B5EF4-FFF2-40B4-BE49-F238E27FC236}">
+                <a16:creationId xmlns:a16="http://schemas.microsoft.com/office/drawing/2014/main" id="{80513F83-1D3A-4B19-9606-D0370AE48BB9}"/>
+              </a:ext>
+            </a:extLst>
+          </p:cNvPr>
+          <p:cNvSpPr txBox="1"/>
+          <p:nvPr/>
+        </p:nvSpPr>
+        <p:spPr>
+          <a:xfrm>
+            <a:off x="311955" y="2608581"/>
+            <a:ext cx="11619694" cy="1169551"/>
+          </a:xfrm>
+          <a:prstGeom prst="rect">
+            <a:avLst/>
+          </a:prstGeom>
+          <a:noFill/>
+        </p:spPr>
+        <p:txBody>
+          <a:bodyPr wrap="square" rtlCol="0">
+            <a:spAutoFit/>
+          </a:bodyPr>
+          <a:lstStyle/>
+          <a:p>
+            <a:r>
+              <a:rPr lang="en-US" sz="3500" b="1" u="sng" dirty="0" err="1"/>
+              <a:t>Cel</a:t>
+            </a:r>
+            <a:r>
+              <a:rPr lang="en-US" sz="3500" b="1" u="sng" dirty="0"/>
+              <a:t> </a:t>
+            </a:r>
+            <a:r>
+              <a:rPr lang="en-US" sz="3500" b="1" u="sng" dirty="0" err="1"/>
+              <a:t>aplikacji</a:t>
+            </a:r>
+            <a:r>
+              <a:rPr lang="pl-PL" sz="3500" b="1" u="sng" dirty="0"/>
+              <a:t>:</a:t>
+            </a:r>
             <a:r>
               <a:rPr lang="pl-PL" sz="3500" dirty="0"/>
-              <a:t>Powstanie dokumentacji do projektu.</a:t>
-            </a:r>
-            <a:endParaRPr lang="ru-RU" sz="3500" dirty="0"/>
+              <a:t> pomóc ludziom wybrać idealne danie do przegotowania z tego, co oni mają w lodówce.</a:t>
+            </a:r>
           </a:p>
         </p:txBody>
       </p:sp>
     </p:spTree>
     <p:extLst>
       <p:ext uri="{BB962C8B-B14F-4D97-AF65-F5344CB8AC3E}">
-        <p14:creationId xmlns:p14="http://schemas.microsoft.com/office/powerpoint/2010/main" val="4056822329"/>
+        <p14:creationId xmlns:p14="http://schemas.microsoft.com/office/powerpoint/2010/main" val="3272001800"/>
       </p:ext>
     </p:extLst>
   </p:cSld>
   <p:clrMapOvr>
     <a:masterClrMapping/>
   </p:clrMapOvr>
+  <p:timing>
+    <p:tnLst>
+      <p:par>
+        <p:cTn id="1" dur="indefinite" restart="never" nodeType="tmRoot">
+          <p:childTnLst>
+            <p:seq concurrent="1" nextAc="seek">
+              <p:cTn id="2" dur="indefinite" nodeType="mainSeq">
+                <p:childTnLst>
+                  <p:par>
+                    <p:cTn id="3" fill="hold">
+                      <p:stCondLst>
+                        <p:cond delay="indefinite"/>
+                        <p:cond evt="onBegin" delay="0">
+                          <p:tn val="2"/>
+                        </p:cond>
+                      </p:stCondLst>
+                      <p:childTnLst>
+                        <p:par>
+                          <p:cTn id="4" fill="hold">
+                            <p:stCondLst>
+                              <p:cond delay="0"/>
+                            </p:stCondLst>
+                            <p:childTnLst>
+                              <p:par>
+                                <p:cTn id="5" presetID="10" presetClass="entr" presetSubtype="0" fill="hold" grpId="0" nodeType="afterEffect">
+                                  <p:stCondLst>
+                                    <p:cond delay="0"/>
+                                  </p:stCondLst>
+                                  <p:childTnLst>
+                                    <p:set>
+                                      <p:cBhvr>
+                                        <p:cTn id="6" dur="1" fill="hold">
+                                          <p:stCondLst>
+                                            <p:cond delay="0"/>
+                                          </p:stCondLst>
+                                        </p:cTn>
+                                        <p:tgtEl>
+                                          <p:spTgt spid="6"/>
+                                        </p:tgtEl>
+                                        <p:attrNameLst>
+                                          <p:attrName>style.visibility</p:attrName>
+                                        </p:attrNameLst>
+                                      </p:cBhvr>
+                                      <p:to>
+                                        <p:strVal val="visible"/>
+                                      </p:to>
+                                    </p:set>
+                                    <p:animEffect transition="in" filter="fade">
+                                      <p:cBhvr>
+                                        <p:cTn id="7" dur="400"/>
+                                        <p:tgtEl>
+                                          <p:spTgt spid="6"/>
+                                        </p:tgtEl>
+                                      </p:cBhvr>
+                                    </p:animEffect>
+                                  </p:childTnLst>
+                                </p:cTn>
+                              </p:par>
+                            </p:childTnLst>
+                          </p:cTn>
+                        </p:par>
+                      </p:childTnLst>
+                    </p:cTn>
+                  </p:par>
+                  <p:par>
+                    <p:cTn id="8" fill="hold">
+                      <p:stCondLst>
+                        <p:cond delay="indefinite"/>
+                      </p:stCondLst>
+                      <p:childTnLst>
+                        <p:par>
+                          <p:cTn id="9" fill="hold">
+                            <p:stCondLst>
+                              <p:cond delay="0"/>
+                            </p:stCondLst>
+                            <p:childTnLst>
+                              <p:par>
+                                <p:cTn id="10" presetID="10" presetClass="entr" presetSubtype="0" fill="hold" grpId="0" nodeType="clickEffect">
+                                  <p:stCondLst>
+                                    <p:cond delay="0"/>
+                                  </p:stCondLst>
+                                  <p:childTnLst>
+                                    <p:set>
+                                      <p:cBhvr>
+                                        <p:cTn id="11" dur="1" fill="hold">
+                                          <p:stCondLst>
+                                            <p:cond delay="0"/>
+                                          </p:stCondLst>
+                                        </p:cTn>
+                                        <p:tgtEl>
+                                          <p:spTgt spid="7"/>
+                                        </p:tgtEl>
+                                        <p:attrNameLst>
+                                          <p:attrName>style.visibility</p:attrName>
+                                        </p:attrNameLst>
+                                      </p:cBhvr>
+                                      <p:to>
+                                        <p:strVal val="visible"/>
+                                      </p:to>
+                                    </p:set>
+                                    <p:animEffect transition="in" filter="fade">
+                                      <p:cBhvr>
+                                        <p:cTn id="12" dur="400"/>
+                                        <p:tgtEl>
+                                          <p:spTgt spid="7"/>
+                                        </p:tgtEl>
+                                      </p:cBhvr>
+                                    </p:animEffect>
+                                  </p:childTnLst>
+                                </p:cTn>
+                              </p:par>
+                            </p:childTnLst>
+                          </p:cTn>
+                        </p:par>
+                      </p:childTnLst>
+                    </p:cTn>
+                  </p:par>
+                  <p:par>
+                    <p:cTn id="13" fill="hold">
+                      <p:stCondLst>
+                        <p:cond delay="indefinite"/>
+                      </p:stCondLst>
+                      <p:childTnLst>
+                        <p:par>
+                          <p:cTn id="14" fill="hold">
+                            <p:stCondLst>
+                              <p:cond delay="0"/>
+                            </p:stCondLst>
+                            <p:childTnLst>
+                              <p:par>
+                                <p:cTn id="15" presetID="10" presetClass="entr" presetSubtype="0" fill="hold" grpId="0" nodeType="clickEffect">
+                                  <p:stCondLst>
+                                    <p:cond delay="0"/>
+                                  </p:stCondLst>
+                                  <p:childTnLst>
+                                    <p:set>
+                                      <p:cBhvr>
+                                        <p:cTn id="16" dur="1" fill="hold">
+                                          <p:stCondLst>
+                                            <p:cond delay="0"/>
+                                          </p:stCondLst>
+                                        </p:cTn>
+                                        <p:tgtEl>
+                                          <p:spTgt spid="2"/>
+                                        </p:tgtEl>
+                                        <p:attrNameLst>
+                                          <p:attrName>style.visibility</p:attrName>
+                                        </p:attrNameLst>
+                                      </p:cBhvr>
+                                      <p:to>
+                                        <p:strVal val="visible"/>
+                                      </p:to>
+                                    </p:set>
+                                    <p:animEffect transition="in" filter="fade">
+                                      <p:cBhvr>
+                                        <p:cTn id="17" dur="400"/>
+                                        <p:tgtEl>
+                                          <p:spTgt spid="2"/>
+                                        </p:tgtEl>
+                                      </p:cBhvr>
+                                    </p:animEffect>
+                                  </p:childTnLst>
+                                </p:cTn>
+                              </p:par>
+                            </p:childTnLst>
+                          </p:cTn>
+                        </p:par>
+                      </p:childTnLst>
+                    </p:cTn>
+                  </p:par>
+                </p:childTnLst>
+              </p:cTn>
+              <p:prevCondLst>
+                <p:cond evt="onPrev" delay="0">
+                  <p:tgtEl>
+                    <p:sldTgt/>
+                  </p:tgtEl>
+                </p:cond>
+              </p:prevCondLst>
+              <p:nextCondLst>
+                <p:cond evt="onNext" delay="0">
+                  <p:tgtEl>
+                    <p:sldTgt/>
+                  </p:tgtEl>
+                </p:cond>
+              </p:nextCondLst>
+            </p:seq>
+          </p:childTnLst>
+        </p:cTn>
+      </p:par>
+    </p:tnLst>
+    <p:bldLst>
+      <p:bldP spid="2" grpId="0"/>
+      <p:bldP spid="6" grpId="0"/>
+      <p:bldP spid="7" grpId="0"/>
+    </p:bldLst>
+  </p:timing>
 </p:sld>
 </file>
 
@@ -5089,10 +9167,10 @@
       </p:grpSpPr>
       <p:sp>
         <p:nvSpPr>
-          <p:cNvPr id="2" name="pole tekstowe 1">
-            <a:extLst>
-              <a:ext uri="{FF2B5EF4-FFF2-40B4-BE49-F238E27FC236}">
-                <a16:creationId xmlns:a16="http://schemas.microsoft.com/office/drawing/2014/main" id="{39CF92C7-6638-472D-8647-DE82A4A2B39C}"/>
+          <p:cNvPr id="5" name="pole tekstowe 4">
+            <a:extLst>
+              <a:ext uri="{FF2B5EF4-FFF2-40B4-BE49-F238E27FC236}">
+                <a16:creationId xmlns:a16="http://schemas.microsoft.com/office/drawing/2014/main" id="{4658FD8D-F875-4076-B369-C68B758FDA7B}"/>
               </a:ext>
             </a:extLst>
           </p:cNvPr>
@@ -5101,8 +9179,8 @@
         </p:nvSpPr>
         <p:spPr>
           <a:xfrm>
-            <a:off x="4446798" y="369443"/>
-            <a:ext cx="3298403" cy="861774"/>
+            <a:off x="3692938" y="203595"/>
+            <a:ext cx="4210192" cy="861774"/>
           </a:xfrm>
           <a:prstGeom prst="rect">
             <a:avLst/>
@@ -5116,8 +9194,8 @@
           <a:lstStyle/>
           <a:p>
             <a:r>
-              <a:rPr lang="pl-PL" sz="5000" b="1" dirty="0"/>
-              <a:t>3. ITERACJA</a:t>
+              <a:rPr lang="en-US" sz="5000" b="1" dirty="0"/>
+              <a:t>OPIS APLIKACJI</a:t>
             </a:r>
             <a:endParaRPr lang="ru-RU" sz="5000" b="1" dirty="0"/>
           </a:p>
@@ -5125,10 +9203,10 @@
       </p:sp>
       <p:sp>
         <p:nvSpPr>
-          <p:cNvPr id="3" name="pole tekstowe 2">
-            <a:extLst>
-              <a:ext uri="{FF2B5EF4-FFF2-40B4-BE49-F238E27FC236}">
-                <a16:creationId xmlns:a16="http://schemas.microsoft.com/office/drawing/2014/main" id="{3291B2EB-94FB-4A10-AAD6-B13AD5FC560E}"/>
+          <p:cNvPr id="2" name="pole tekstowe 1">
+            <a:extLst>
+              <a:ext uri="{FF2B5EF4-FFF2-40B4-BE49-F238E27FC236}">
+                <a16:creationId xmlns:a16="http://schemas.microsoft.com/office/drawing/2014/main" id="{42A643DB-A916-417E-AE7A-6A305056C165}"/>
               </a:ext>
             </a:extLst>
           </p:cNvPr>
@@ -5137,8 +9215,8 @@
         </p:nvSpPr>
         <p:spPr>
           <a:xfrm>
-            <a:off x="3430493" y="2844224"/>
-            <a:ext cx="5331011" cy="1169551"/>
+            <a:off x="286153" y="1591607"/>
+            <a:ext cx="11619694" cy="3862596"/>
           </a:xfrm>
           <a:prstGeom prst="rect">
             <a:avLst/>
@@ -5146,43 +9224,173 @@
           <a:noFill/>
         </p:spPr>
         <p:txBody>
-          <a:bodyPr wrap="none" rtlCol="0">
+          <a:bodyPr wrap="square" rtlCol="0">
             <a:spAutoFit/>
           </a:bodyPr>
           <a:lstStyle/>
           <a:p>
-            <a:pPr marL="285750" indent="-285750">
+            <a:r>
+              <a:rPr lang="pl-PL" sz="3500" b="1" u="sng" dirty="0"/>
+              <a:t>Kto będzie się korzystał?:</a:t>
+            </a:r>
+          </a:p>
+          <a:p>
+            <a:pPr marL="457200" indent="-457200">
               <a:buFontTx/>
               <a:buChar char="-"/>
             </a:pPr>
             <a:r>
               <a:rPr lang="pl-PL" sz="3500" dirty="0"/>
-              <a:t>Tworzenie aplikacji.</a:t>
-            </a:r>
-          </a:p>
-          <a:p>
-            <a:pPr marL="285750" indent="-285750">
+              <a:t>Student.</a:t>
+            </a:r>
+          </a:p>
+          <a:p>
+            <a:pPr marL="457200" indent="-457200">
               <a:buFontTx/>
               <a:buChar char="-"/>
             </a:pPr>
             <a:r>
               <a:rPr lang="pl-PL" sz="3500" dirty="0"/>
-              <a:t>Aktualizacja dokumentacji.</a:t>
-            </a:r>
-            <a:endParaRPr lang="ru-RU" sz="3500" dirty="0"/>
+              <a:t>Człowiek, kto nie już nie wytrzymuje codziennie jeść kotlet z kurczaka i chce spróbować coś innego.</a:t>
+            </a:r>
+          </a:p>
+          <a:p>
+            <a:pPr marL="457200" indent="-457200">
+              <a:buFontTx/>
+              <a:buChar char="-"/>
+            </a:pPr>
+            <a:r>
+              <a:rPr lang="pl-PL" sz="3500" dirty="0"/>
+              <a:t>Mamusi, która chcę </a:t>
+            </a:r>
+            <a:r>
+              <a:rPr lang="en-US" sz="3500" dirty="0" err="1"/>
+              <a:t>czym</a:t>
+            </a:r>
+            <a:r>
+              <a:rPr lang="pl-PL" sz="3500" dirty="0"/>
+              <a:t>ś zaskoczyć syn</a:t>
+            </a:r>
+            <a:r>
+              <a:rPr lang="en-US" sz="3500" dirty="0"/>
+              <a:t>k</a:t>
+            </a:r>
+            <a:r>
+              <a:rPr lang="pl-PL" sz="3500" dirty="0"/>
+              <a:t>a i ugotować czegoś nowego.</a:t>
+            </a:r>
+          </a:p>
+          <a:p>
+            <a:pPr marL="457200" indent="-457200">
+              <a:buFontTx/>
+              <a:buChar char="-"/>
+            </a:pPr>
+            <a:r>
+              <a:rPr lang="pl-PL" sz="3500" dirty="0"/>
+              <a:t>Osoba która nie umie gotować ale chce się nauczyć.</a:t>
+            </a:r>
           </a:p>
         </p:txBody>
       </p:sp>
     </p:spTree>
     <p:extLst>
       <p:ext uri="{BB962C8B-B14F-4D97-AF65-F5344CB8AC3E}">
-        <p14:creationId xmlns:p14="http://schemas.microsoft.com/office/powerpoint/2010/main" val="2882582065"/>
+        <p14:creationId xmlns:p14="http://schemas.microsoft.com/office/powerpoint/2010/main" val="2479526399"/>
       </p:ext>
     </p:extLst>
   </p:cSld>
   <p:clrMapOvr>
     <a:masterClrMapping/>
   </p:clrMapOvr>
+  <p:timing>
+    <p:tnLst>
+      <p:par>
+        <p:cTn id="1" dur="indefinite" restart="never" nodeType="tmRoot">
+          <p:childTnLst>
+            <p:seq concurrent="1" nextAc="seek">
+              <p:cTn id="2" dur="indefinite" nodeType="mainSeq">
+                <p:childTnLst>
+                  <p:par>
+                    <p:cTn id="3" fill="hold">
+                      <p:stCondLst>
+                        <p:cond delay="indefinite"/>
+                        <p:cond evt="onBegin" delay="0">
+                          <p:tn val="2"/>
+                        </p:cond>
+                      </p:stCondLst>
+                      <p:childTnLst>
+                        <p:par>
+                          <p:cTn id="4" fill="hold">
+                            <p:stCondLst>
+                              <p:cond delay="0"/>
+                            </p:stCondLst>
+                            <p:childTnLst>
+                              <p:par>
+                                <p:cTn id="5" presetID="10" presetClass="entr" presetSubtype="0" fill="hold" grpId="0" nodeType="afterEffect">
+                                  <p:stCondLst>
+                                    <p:cond delay="0"/>
+                                  </p:stCondLst>
+                                  <p:childTnLst>
+                                    <p:set>
+                                      <p:cBhvr>
+                                        <p:cTn id="6" dur="1" fill="hold">
+                                          <p:stCondLst>
+                                            <p:cond delay="0"/>
+                                          </p:stCondLst>
+                                        </p:cTn>
+                                        <p:tgtEl>
+                                          <p:spTgt spid="2"/>
+                                        </p:tgtEl>
+                                        <p:attrNameLst>
+                                          <p:attrName>style.visibility</p:attrName>
+                                        </p:attrNameLst>
+                                      </p:cBhvr>
+                                      <p:to>
+                                        <p:strVal val="visible"/>
+                                      </p:to>
+                                    </p:set>
+                                    <p:animEffect transition="in" filter="fade">
+                                      <p:cBhvr>
+                                        <p:cTn id="7" dur="400"/>
+                                        <p:tgtEl>
+                                          <p:spTgt spid="2"/>
+                                        </p:tgtEl>
+                                      </p:cBhvr>
+                                    </p:animEffect>
+                                  </p:childTnLst>
+                                </p:cTn>
+                              </p:par>
+                            </p:childTnLst>
+                          </p:cTn>
+                        </p:par>
+                      </p:childTnLst>
+                    </p:cTn>
+                  </p:par>
+                </p:childTnLst>
+              </p:cTn>
+              <p:prevCondLst>
+                <p:cond evt="onPrev" delay="0">
+                  <p:tgtEl>
+                    <p:sldTgt/>
+                  </p:tgtEl>
+                </p:cond>
+              </p:prevCondLst>
+              <p:nextCondLst>
+                <p:cond evt="onNext" delay="0">
+                  <p:tgtEl>
+                    <p:sldTgt/>
+                  </p:tgtEl>
+                </p:cond>
+              </p:nextCondLst>
+            </p:seq>
+          </p:childTnLst>
+        </p:cTn>
+      </p:par>
+    </p:tnLst>
+    <p:bldLst>
+      <p:bldP spid="2" grpId="0"/>
+    </p:bldLst>
+  </p:timing>
 </p:sld>
 </file>
 
@@ -5218,10 +9426,10 @@
       </p:grpSpPr>
       <p:sp>
         <p:nvSpPr>
-          <p:cNvPr id="3" name="pole tekstowe 2">
-            <a:extLst>
-              <a:ext uri="{FF2B5EF4-FFF2-40B4-BE49-F238E27FC236}">
-                <a16:creationId xmlns:a16="http://schemas.microsoft.com/office/drawing/2014/main" id="{DB99C799-9A24-4B54-B9EF-FA675CBE7BFE}"/>
+          <p:cNvPr id="5" name="pole tekstowe 4">
+            <a:extLst>
+              <a:ext uri="{FF2B5EF4-FFF2-40B4-BE49-F238E27FC236}">
+                <a16:creationId xmlns:a16="http://schemas.microsoft.com/office/drawing/2014/main" id="{4658FD8D-F875-4076-B369-C68B758FDA7B}"/>
               </a:ext>
             </a:extLst>
           </p:cNvPr>
@@ -5230,8 +9438,8 @@
         </p:nvSpPr>
         <p:spPr>
           <a:xfrm>
-            <a:off x="4446798" y="369443"/>
-            <a:ext cx="3298403" cy="861774"/>
+            <a:off x="3692938" y="203595"/>
+            <a:ext cx="4210192" cy="861774"/>
           </a:xfrm>
           <a:prstGeom prst="rect">
             <a:avLst/>
@@ -5245,8 +9453,8 @@
           <a:lstStyle/>
           <a:p>
             <a:r>
-              <a:rPr lang="pl-PL" sz="5000" b="1" dirty="0"/>
-              <a:t>4. ITERACJA</a:t>
+              <a:rPr lang="en-US" sz="5000" b="1" dirty="0"/>
+              <a:t>OPIS APLIKACJI</a:t>
             </a:r>
             <a:endParaRPr lang="ru-RU" sz="5000" b="1" dirty="0"/>
           </a:p>
@@ -5254,10 +9462,10 @@
       </p:sp>
       <p:sp>
         <p:nvSpPr>
-          <p:cNvPr id="4" name="pole tekstowe 3">
-            <a:extLst>
-              <a:ext uri="{FF2B5EF4-FFF2-40B4-BE49-F238E27FC236}">
-                <a16:creationId xmlns:a16="http://schemas.microsoft.com/office/drawing/2014/main" id="{338679EA-75A4-487C-800E-DD0F1595254F}"/>
+          <p:cNvPr id="2" name="pole tekstowe 1">
+            <a:extLst>
+              <a:ext uri="{FF2B5EF4-FFF2-40B4-BE49-F238E27FC236}">
+                <a16:creationId xmlns:a16="http://schemas.microsoft.com/office/drawing/2014/main" id="{42A643DB-A916-417E-AE7A-6A305056C165}"/>
               </a:ext>
             </a:extLst>
           </p:cNvPr>
@@ -5266,8 +9474,8 @@
         </p:nvSpPr>
         <p:spPr>
           <a:xfrm>
-            <a:off x="3996546" y="2844224"/>
-            <a:ext cx="4198906" cy="1169551"/>
+            <a:off x="407102" y="1188717"/>
+            <a:ext cx="11645198" cy="4939814"/>
           </a:xfrm>
           <a:prstGeom prst="rect">
             <a:avLst/>
@@ -5275,32 +9483,65 @@
           <a:noFill/>
         </p:spPr>
         <p:txBody>
-          <a:bodyPr wrap="none" rtlCol="0">
+          <a:bodyPr wrap="square" rtlCol="0">
             <a:spAutoFit/>
           </a:bodyPr>
           <a:lstStyle/>
           <a:p>
-            <a:pPr marL="285750" indent="-285750">
-              <a:buFontTx/>
-              <a:buChar char="-"/>
-            </a:pPr>
-            <a:r>
-              <a:rPr lang="pl-PL" sz="3500" dirty="0" err="1"/>
-              <a:t>Refaktoring</a:t>
-            </a:r>
+            <a:r>
+              <a:rPr lang="pl-PL" sz="3500" b="1" u="sng" dirty="0"/>
+              <a:t>F</a:t>
+            </a:r>
+            <a:r>
+              <a:rPr lang="en-US" sz="3500" b="1" u="sng" dirty="0" err="1"/>
+              <a:t>unkcjonalnoś</a:t>
+            </a:r>
+            <a:r>
+              <a:rPr lang="pl-PL" sz="3500" b="1" u="sng" dirty="0"/>
+              <a:t>ci dodatkowe : </a:t>
+            </a:r>
+          </a:p>
+          <a:p>
             <a:r>
               <a:rPr lang="pl-PL" sz="3500" dirty="0"/>
-              <a:t> kodu.</a:t>
-            </a:r>
-          </a:p>
-          <a:p>
-            <a:pPr marL="285750" indent="-285750">
-              <a:buFontTx/>
-              <a:buChar char="-"/>
-            </a:pPr>
+              <a:t>	- Użytkownik może założyć konto na stronie.</a:t>
+            </a:r>
+          </a:p>
+          <a:p>
             <a:r>
               <a:rPr lang="pl-PL" sz="3500" dirty="0"/>
-              <a:t>Testowanie aplikacji.</a:t>
+              <a:t>	- Użytkownik może uzupełnić</a:t>
+            </a:r>
+            <a:r>
+              <a:rPr lang="ru-RU" sz="3500" dirty="0"/>
+              <a:t> </a:t>
+            </a:r>
+            <a:r>
+              <a:rPr lang="en-US" sz="3500" dirty="0" err="1"/>
+              <a:t>baz</a:t>
+            </a:r>
+            <a:r>
+              <a:rPr lang="pl-PL" sz="3500" dirty="0"/>
+              <a:t>ę danych swoim przepisem.</a:t>
+            </a:r>
+          </a:p>
+          <a:p>
+            <a:r>
+              <a:rPr lang="pl-PL" sz="3500" dirty="0"/>
+              <a:t>	- Użytkownik może zapisać do ulubionych inny przepis. </a:t>
+            </a:r>
+            <a:br>
+              <a:rPr lang="pl-PL" sz="3500" dirty="0"/>
+            </a:br>
+            <a:r>
+              <a:rPr lang="pl-PL" sz="3500" dirty="0"/>
+              <a:t>	- Użytkownik ma możliwość wchodzić w dyskusję w komentarzach pod przepisem. </a:t>
+            </a:r>
+          </a:p>
+          <a:p>
+            <a:r>
+              <a:rPr lang="pl-PL" sz="3500" dirty="0"/>
+              <a:t>	- Użytkownikowi będzie dostępna lista przepisów polecana naszą aplikacją w zależności od stałych preferencji użytkownika.</a:t>
             </a:r>
             <a:endParaRPr lang="ru-RU" sz="3500" dirty="0"/>
           </a:p>
@@ -5309,13 +9550,102 @@
     </p:spTree>
     <p:extLst>
       <p:ext uri="{BB962C8B-B14F-4D97-AF65-F5344CB8AC3E}">
-        <p14:creationId xmlns:p14="http://schemas.microsoft.com/office/powerpoint/2010/main" val="2646322465"/>
+        <p14:creationId xmlns:p14="http://schemas.microsoft.com/office/powerpoint/2010/main" val="541946404"/>
       </p:ext>
     </p:extLst>
   </p:cSld>
   <p:clrMapOvr>
     <a:masterClrMapping/>
   </p:clrMapOvr>
+  <p:timing>
+    <p:tnLst>
+      <p:par>
+        <p:cTn id="1" dur="indefinite" restart="never" nodeType="tmRoot">
+          <p:childTnLst>
+            <p:seq concurrent="1" nextAc="seek">
+              <p:cTn id="2" dur="indefinite" nodeType="mainSeq">
+                <p:childTnLst>
+                  <p:par>
+                    <p:cTn id="3" fill="hold">
+                      <p:stCondLst>
+                        <p:cond delay="indefinite"/>
+                        <p:cond evt="onBegin" delay="0">
+                          <p:tn val="2"/>
+                        </p:cond>
+                      </p:stCondLst>
+                      <p:childTnLst>
+                        <p:par>
+                          <p:cTn id="4" fill="hold">
+                            <p:stCondLst>
+                              <p:cond delay="0"/>
+                            </p:stCondLst>
+                            <p:childTnLst>
+                              <p:par>
+                                <p:cTn id="5" presetID="10" presetClass="entr" presetSubtype="0" fill="hold" grpId="0" nodeType="afterEffect">
+                                  <p:stCondLst>
+                                    <p:cond delay="0"/>
+                                  </p:stCondLst>
+                                  <p:childTnLst>
+                                    <p:set>
+                                      <p:cBhvr>
+                                        <p:cTn id="6" dur="1" fill="hold">
+                                          <p:stCondLst>
+                                            <p:cond delay="0"/>
+                                          </p:stCondLst>
+                                        </p:cTn>
+                                        <p:tgtEl>
+                                          <p:spTgt spid="2"/>
+                                        </p:tgtEl>
+                                        <p:attrNameLst>
+                                          <p:attrName>style.visibility</p:attrName>
+                                        </p:attrNameLst>
+                                      </p:cBhvr>
+                                      <p:to>
+                                        <p:strVal val="visible"/>
+                                      </p:to>
+                                    </p:set>
+                                    <p:animEffect transition="in" filter="fade">
+                                      <p:cBhvr>
+                                        <p:cTn id="7" dur="400"/>
+                                        <p:tgtEl>
+                                          <p:spTgt spid="2"/>
+                                        </p:tgtEl>
+                                      </p:cBhvr>
+                                    </p:animEffect>
+                                  </p:childTnLst>
+                                </p:cTn>
+                              </p:par>
+                            </p:childTnLst>
+                          </p:cTn>
+                        </p:par>
+                      </p:childTnLst>
+                    </p:cTn>
+                  </p:par>
+                </p:childTnLst>
+              </p:cTn>
+              <p:prevCondLst>
+                <p:cond evt="onPrev" delay="0">
+                  <p:tgtEl>
+                    <p:sldTgt/>
+                  </p:tgtEl>
+                </p:cond>
+              </p:prevCondLst>
+              <p:nextCondLst>
+                <p:cond evt="onNext" delay="0">
+                  <p:tgtEl>
+                    <p:sldTgt/>
+                  </p:tgtEl>
+                </p:cond>
+              </p:nextCondLst>
+            </p:seq>
+          </p:childTnLst>
+        </p:cTn>
+      </p:par>
+    </p:tnLst>
+    <p:bldLst>
+      <p:bldP spid="2" grpId="0"/>
+    </p:bldLst>
+  </p:timing>
 </p:sld>
 </file>
 
@@ -5351,10 +9681,10 @@
       </p:grpSpPr>
       <p:sp>
         <p:nvSpPr>
-          <p:cNvPr id="3" name="pole tekstowe 2">
-            <a:extLst>
-              <a:ext uri="{FF2B5EF4-FFF2-40B4-BE49-F238E27FC236}">
-                <a16:creationId xmlns:a16="http://schemas.microsoft.com/office/drawing/2014/main" id="{AADB1B61-54F6-4615-BBEC-E40C99C523AF}"/>
+          <p:cNvPr id="2" name="pole tekstowe 1">
+            <a:extLst>
+              <a:ext uri="{FF2B5EF4-FFF2-40B4-BE49-F238E27FC236}">
+                <a16:creationId xmlns:a16="http://schemas.microsoft.com/office/drawing/2014/main" id="{B64D6E9D-B73A-4C8D-938F-764FADA6BB1A}"/>
               </a:ext>
             </a:extLst>
           </p:cNvPr>
@@ -5379,7 +9709,7 @@
           <a:p>
             <a:r>
               <a:rPr lang="pl-PL" sz="5000" b="1" dirty="0"/>
-              <a:t>5. ITERACJA</a:t>
+              <a:t>2. ITERACJA</a:t>
             </a:r>
             <a:endParaRPr lang="ru-RU" sz="5000" b="1" dirty="0"/>
           </a:p>
@@ -5387,10 +9717,10 @@
       </p:sp>
       <p:sp>
         <p:nvSpPr>
-          <p:cNvPr id="4" name="pole tekstowe 3">
-            <a:extLst>
-              <a:ext uri="{FF2B5EF4-FFF2-40B4-BE49-F238E27FC236}">
-                <a16:creationId xmlns:a16="http://schemas.microsoft.com/office/drawing/2014/main" id="{A340E082-F646-4863-BCE4-4F87F93918AC}"/>
+          <p:cNvPr id="3" name="pole tekstowe 2">
+            <a:extLst>
+              <a:ext uri="{FF2B5EF4-FFF2-40B4-BE49-F238E27FC236}">
+                <a16:creationId xmlns:a16="http://schemas.microsoft.com/office/drawing/2014/main" id="{BD5E7245-5C56-41DA-8110-C0550B425FC3}"/>
               </a:ext>
             </a:extLst>
           </p:cNvPr>
@@ -5399,8 +9729,8 @@
         </p:nvSpPr>
         <p:spPr>
           <a:xfrm>
-            <a:off x="3108290" y="2831304"/>
-            <a:ext cx="5975418" cy="1195392"/>
+            <a:off x="1807891" y="2036311"/>
+            <a:ext cx="8483476" cy="2785378"/>
           </a:xfrm>
           <a:prstGeom prst="rect">
             <a:avLst/>
@@ -5413,31 +9743,53 @@
           </a:bodyPr>
           <a:lstStyle/>
           <a:p>
-            <a:pPr marL="457200" indent="-457200">
+            <a:pPr marL="285750" indent="-285750" algn="just">
               <a:buFontTx/>
               <a:buChar char="-"/>
             </a:pPr>
             <a:r>
               <a:rPr lang="pl-PL" sz="3500" dirty="0"/>
-              <a:t>Powstanie </a:t>
-            </a:r>
-            <a:r>
-              <a:rPr lang="pl-PL" sz="3668" dirty="0"/>
-              <a:t>prezentacji</a:t>
-            </a:r>
-            <a:r>
-              <a:rPr lang="pl-PL" sz="3500" dirty="0"/>
-              <a:t>.</a:t>
-            </a:r>
-          </a:p>
-          <a:p>
-            <a:pPr marL="457200" indent="-457200">
+              <a:t>Wybór narzędzi do komunikacji.</a:t>
+            </a:r>
+          </a:p>
+          <a:p>
+            <a:pPr marL="285750" indent="-285750" algn="just">
               <a:buFontTx/>
               <a:buChar char="-"/>
             </a:pPr>
             <a:r>
               <a:rPr lang="pl-PL" sz="3500" dirty="0"/>
-              <a:t>Dopracowanie sprawozdania.</a:t>
+              <a:t>Wybór narzędzi do tworzenia dokumentacji.</a:t>
+            </a:r>
+          </a:p>
+          <a:p>
+            <a:pPr marL="285750" indent="-285750" algn="just">
+              <a:buFontTx/>
+              <a:buChar char="-"/>
+            </a:pPr>
+            <a:r>
+              <a:rPr lang="pl-PL" sz="3500" dirty="0"/>
+              <a:t>Wybór narzędzi do tworzenia aplikacji.</a:t>
+            </a:r>
+          </a:p>
+          <a:p>
+            <a:pPr marL="285750" indent="-285750" algn="just">
+              <a:buFontTx/>
+              <a:buChar char="-"/>
+            </a:pPr>
+            <a:r>
+              <a:rPr lang="pl-PL" sz="3500" dirty="0"/>
+              <a:t>Planowanie podziału pracy.</a:t>
+            </a:r>
+          </a:p>
+          <a:p>
+            <a:pPr marL="285750" indent="-285750" algn="just">
+              <a:buFontTx/>
+              <a:buChar char="-"/>
+            </a:pPr>
+            <a:r>
+              <a:rPr lang="pl-PL" sz="3500" dirty="0"/>
+              <a:t>Powstanie dokumentacji do projektu.</a:t>
             </a:r>
             <a:endParaRPr lang="ru-RU" sz="3500" dirty="0"/>
           </a:p>
@@ -5446,13 +9798,400 @@
     </p:spTree>
     <p:extLst>
       <p:ext uri="{BB962C8B-B14F-4D97-AF65-F5344CB8AC3E}">
-        <p14:creationId xmlns:p14="http://schemas.microsoft.com/office/powerpoint/2010/main" val="1348490487"/>
+        <p14:creationId xmlns:p14="http://schemas.microsoft.com/office/powerpoint/2010/main" val="4056822329"/>
       </p:ext>
     </p:extLst>
   </p:cSld>
   <p:clrMapOvr>
     <a:masterClrMapping/>
   </p:clrMapOvr>
+  <p:timing>
+    <p:tnLst>
+      <p:par>
+        <p:cTn id="1" dur="indefinite" restart="never" nodeType="tmRoot">
+          <p:childTnLst>
+            <p:seq concurrent="1" nextAc="seek">
+              <p:cTn id="2" dur="indefinite" nodeType="mainSeq">
+                <p:childTnLst>
+                  <p:par>
+                    <p:cTn id="3" fill="hold">
+                      <p:stCondLst>
+                        <p:cond delay="indefinite"/>
+                        <p:cond evt="onBegin" delay="0">
+                          <p:tn val="2"/>
+                        </p:cond>
+                      </p:stCondLst>
+                      <p:childTnLst>
+                        <p:par>
+                          <p:cTn id="4" fill="hold">
+                            <p:stCondLst>
+                              <p:cond delay="0"/>
+                            </p:stCondLst>
+                            <p:childTnLst>
+                              <p:par>
+                                <p:cTn id="5" presetID="14" presetClass="entr" presetSubtype="10" fill="hold" grpId="0" nodeType="afterEffect">
+                                  <p:stCondLst>
+                                    <p:cond delay="0"/>
+                                  </p:stCondLst>
+                                  <p:childTnLst>
+                                    <p:set>
+                                      <p:cBhvr>
+                                        <p:cTn id="6" dur="1" fill="hold">
+                                          <p:stCondLst>
+                                            <p:cond delay="0"/>
+                                          </p:stCondLst>
+                                        </p:cTn>
+                                        <p:tgtEl>
+                                          <p:spTgt spid="3"/>
+                                        </p:tgtEl>
+                                        <p:attrNameLst>
+                                          <p:attrName>style.visibility</p:attrName>
+                                        </p:attrNameLst>
+                                      </p:cBhvr>
+                                      <p:to>
+                                        <p:strVal val="visible"/>
+                                      </p:to>
+                                    </p:set>
+                                    <p:animEffect transition="in" filter="randombar(horizontal)">
+                                      <p:cBhvr>
+                                        <p:cTn id="7" dur="400"/>
+                                        <p:tgtEl>
+                                          <p:spTgt spid="3"/>
+                                        </p:tgtEl>
+                                      </p:cBhvr>
+                                    </p:animEffect>
+                                  </p:childTnLst>
+                                </p:cTn>
+                              </p:par>
+                            </p:childTnLst>
+                          </p:cTn>
+                        </p:par>
+                      </p:childTnLst>
+                    </p:cTn>
+                  </p:par>
+                </p:childTnLst>
+              </p:cTn>
+              <p:prevCondLst>
+                <p:cond evt="onPrev" delay="0">
+                  <p:tgtEl>
+                    <p:sldTgt/>
+                  </p:tgtEl>
+                </p:cond>
+              </p:prevCondLst>
+              <p:nextCondLst>
+                <p:cond evt="onNext" delay="0">
+                  <p:tgtEl>
+                    <p:sldTgt/>
+                  </p:tgtEl>
+                </p:cond>
+              </p:nextCondLst>
+            </p:seq>
+          </p:childTnLst>
+        </p:cTn>
+      </p:par>
+    </p:tnLst>
+    <p:bldLst>
+      <p:bldP spid="3" grpId="0"/>
+    </p:bldLst>
+  </p:timing>
+</p:sld>
+</file>
+
+<file path=ppt/slides/slide9.xml><?xml version="1.0" encoding="utf-8"?>
+<p:sld xmlns:a="http://schemas.openxmlformats.org/drawingml/2006/main" xmlns:r="http://schemas.openxmlformats.org/officeDocument/2006/relationships" xmlns:p="http://schemas.openxmlformats.org/presentationml/2006/main">
+  <p:cSld>
+    <p:bg>
+      <p:bgPr>
+        <a:blipFill dpi="0" rotWithShape="1">
+          <a:blip r:embed="rId2">
+            <a:alphaModFix amt="79000"/>
+            <a:lum/>
+          </a:blip>
+          <a:srcRect/>
+          <a:tile tx="0" ty="0" sx="100000" sy="100000" flip="none" algn="tl"/>
+        </a:blipFill>
+        <a:effectLst/>
+      </p:bgPr>
+    </p:bg>
+    <p:spTree>
+      <p:nvGrpSpPr>
+        <p:cNvPr id="1" name=""/>
+        <p:cNvGrpSpPr/>
+        <p:nvPr/>
+      </p:nvGrpSpPr>
+      <p:grpSpPr>
+        <a:xfrm>
+          <a:off x="0" y="0"/>
+          <a:ext cx="0" cy="0"/>
+          <a:chOff x="0" y="0"/>
+          <a:chExt cx="0" cy="0"/>
+        </a:xfrm>
+      </p:grpSpPr>
+      <p:sp>
+        <p:nvSpPr>
+          <p:cNvPr id="2" name="pole tekstowe 1">
+            <a:extLst>
+              <a:ext uri="{FF2B5EF4-FFF2-40B4-BE49-F238E27FC236}">
+                <a16:creationId xmlns:a16="http://schemas.microsoft.com/office/drawing/2014/main" id="{B64D6E9D-B73A-4C8D-938F-764FADA6BB1A}"/>
+              </a:ext>
+            </a:extLst>
+          </p:cNvPr>
+          <p:cNvSpPr txBox="1"/>
+          <p:nvPr/>
+        </p:nvSpPr>
+        <p:spPr>
+          <a:xfrm>
+            <a:off x="4446798" y="369443"/>
+            <a:ext cx="3235373" cy="861774"/>
+          </a:xfrm>
+          <a:prstGeom prst="rect">
+            <a:avLst/>
+          </a:prstGeom>
+          <a:noFill/>
+        </p:spPr>
+        <p:txBody>
+          <a:bodyPr wrap="none" rtlCol="0">
+            <a:spAutoFit/>
+          </a:bodyPr>
+          <a:lstStyle/>
+          <a:p>
+            <a:r>
+              <a:rPr lang="pl-PL" sz="5000" b="1" dirty="0"/>
+              <a:t>NARZĘDZIA</a:t>
+            </a:r>
+            <a:endParaRPr lang="ru-RU" sz="5000" b="1" dirty="0"/>
+          </a:p>
+        </p:txBody>
+      </p:sp>
+      <p:sp>
+        <p:nvSpPr>
+          <p:cNvPr id="3" name="pole tekstowe 2">
+            <a:extLst>
+              <a:ext uri="{FF2B5EF4-FFF2-40B4-BE49-F238E27FC236}">
+                <a16:creationId xmlns:a16="http://schemas.microsoft.com/office/drawing/2014/main" id="{BD5E7245-5C56-41DA-8110-C0550B425FC3}"/>
+              </a:ext>
+            </a:extLst>
+          </p:cNvPr>
+          <p:cNvSpPr txBox="1"/>
+          <p:nvPr/>
+        </p:nvSpPr>
+        <p:spPr>
+          <a:xfrm>
+            <a:off x="107147" y="1655311"/>
+            <a:ext cx="11977705" cy="3862596"/>
+          </a:xfrm>
+          <a:prstGeom prst="rect">
+            <a:avLst/>
+          </a:prstGeom>
+          <a:noFill/>
+        </p:spPr>
+        <p:txBody>
+          <a:bodyPr wrap="square" rtlCol="0">
+            <a:spAutoFit/>
+          </a:bodyPr>
+          <a:lstStyle/>
+          <a:p>
+            <a:pPr algn="just"/>
+            <a:r>
+              <a:rPr lang="pl-PL" sz="3500" b="1" u="sng" dirty="0"/>
+              <a:t>Narzędzia do komunikacji: </a:t>
+            </a:r>
+            <a:r>
+              <a:rPr lang="pl-PL" sz="3500" dirty="0"/>
+              <a:t>Telegram, Zoom, </a:t>
+            </a:r>
+            <a:r>
+              <a:rPr lang="pl-PL" sz="3500" dirty="0" err="1"/>
+              <a:t>Messanger</a:t>
+            </a:r>
+            <a:r>
+              <a:rPr lang="pl-PL" sz="3500" dirty="0"/>
+              <a:t>.</a:t>
+            </a:r>
+          </a:p>
+          <a:p>
+            <a:pPr algn="just"/>
+            <a:endParaRPr lang="pl-PL" sz="3500" dirty="0"/>
+          </a:p>
+          <a:p>
+            <a:pPr algn="just"/>
+            <a:r>
+              <a:rPr lang="pl-PL" sz="3500" b="1" u="sng" dirty="0"/>
+              <a:t>Narzędzia do tworzenia dokumentacji: </a:t>
+            </a:r>
+            <a:r>
+              <a:rPr lang="pl-PL" sz="3500" dirty="0" err="1"/>
+              <a:t>MicrosoftOfice</a:t>
+            </a:r>
+            <a:r>
+              <a:rPr lang="pl-PL" sz="3500" dirty="0"/>
+              <a:t>.</a:t>
+            </a:r>
+          </a:p>
+          <a:p>
+            <a:pPr algn="just"/>
+            <a:endParaRPr lang="pl-PL" sz="3500" dirty="0"/>
+          </a:p>
+          <a:p>
+            <a:pPr algn="just"/>
+            <a:r>
+              <a:rPr lang="pl-PL" sz="3500" b="1" u="sng" dirty="0"/>
+              <a:t>Narzędzia do tworzenia aplikacji:</a:t>
+            </a:r>
+            <a:r>
+              <a:rPr lang="pl-PL" sz="3500" dirty="0"/>
+              <a:t> </a:t>
+            </a:r>
+            <a:r>
+              <a:rPr lang="en-US" sz="3500" dirty="0"/>
+              <a:t>WebStorm, </a:t>
+            </a:r>
+            <a:r>
+              <a:rPr lang="en-US" sz="3500" dirty="0" err="1"/>
+              <a:t>VisualStudio</a:t>
+            </a:r>
+            <a:r>
+              <a:rPr lang="en-US" sz="3500" dirty="0"/>
+              <a:t> Code</a:t>
+            </a:r>
+            <a:r>
+              <a:rPr lang="pl-PL" sz="3500" dirty="0"/>
+              <a:t>.</a:t>
+            </a:r>
+          </a:p>
+          <a:p>
+            <a:pPr algn="just"/>
+            <a:endParaRPr lang="pl-PL" sz="3500" dirty="0"/>
+          </a:p>
+          <a:p>
+            <a:pPr algn="just"/>
+            <a:r>
+              <a:rPr lang="pl-PL" sz="3500" b="1" u="sng" dirty="0"/>
+              <a:t>Dodatkowe narzędzia:</a:t>
+            </a:r>
+            <a:r>
+              <a:rPr lang="pl-PL" sz="3500" dirty="0"/>
+              <a:t> GitHub, </a:t>
+            </a:r>
+            <a:r>
+              <a:rPr lang="pl-PL" sz="3500" dirty="0" err="1"/>
+              <a:t>Overleaf</a:t>
+            </a:r>
+            <a:r>
+              <a:rPr lang="pl-PL" sz="3500" dirty="0"/>
+              <a:t>, </a:t>
+            </a:r>
+            <a:r>
+              <a:rPr lang="pl-PL" sz="3500" dirty="0" err="1"/>
+              <a:t>Figma</a:t>
+            </a:r>
+            <a:r>
+              <a:rPr lang="pl-PL" sz="3500" dirty="0"/>
+              <a:t>.</a:t>
+            </a:r>
+            <a:endParaRPr lang="ru-RU" sz="3500" dirty="0"/>
+          </a:p>
+        </p:txBody>
+      </p:sp>
+    </p:spTree>
+    <p:extLst>
+      <p:ext uri="{BB962C8B-B14F-4D97-AF65-F5344CB8AC3E}">
+        <p14:creationId xmlns:p14="http://schemas.microsoft.com/office/powerpoint/2010/main" val="926469987"/>
+      </p:ext>
+    </p:extLst>
+  </p:cSld>
+  <p:clrMapOvr>
+    <a:masterClrMapping/>
+  </p:clrMapOvr>
+  <p:timing>
+    <p:tnLst>
+      <p:par>
+        <p:cTn id="1" dur="indefinite" restart="never" nodeType="tmRoot">
+          <p:childTnLst>
+            <p:seq concurrent="1" nextAc="seek">
+              <p:cTn id="2" dur="indefinite" nodeType="mainSeq">
+                <p:childTnLst>
+                  <p:par>
+                    <p:cTn id="3" fill="hold">
+                      <p:stCondLst>
+                        <p:cond delay="indefinite"/>
+                        <p:cond evt="onBegin" delay="0">
+                          <p:tn val="2"/>
+                        </p:cond>
+                      </p:stCondLst>
+                      <p:childTnLst>
+                        <p:par>
+                          <p:cTn id="4" fill="hold">
+                            <p:stCondLst>
+                              <p:cond delay="0"/>
+                            </p:stCondLst>
+                            <p:childTnLst>
+                              <p:par>
+                                <p:cTn id="5" presetID="14" presetClass="entr" presetSubtype="10" fill="hold" grpId="0" nodeType="afterEffect">
+                                  <p:stCondLst>
+                                    <p:cond delay="0"/>
+                                  </p:stCondLst>
+                                  <p:childTnLst>
+                                    <p:set>
+                                      <p:cBhvr>
+                                        <p:cTn id="6" dur="1" fill="hold">
+                                          <p:stCondLst>
+                                            <p:cond delay="0"/>
+                                          </p:stCondLst>
+                                        </p:cTn>
+                                        <p:tgtEl>
+                                          <p:spTgt spid="3"/>
+                                        </p:tgtEl>
+                                        <p:attrNameLst>
+                                          <p:attrName>style.visibility</p:attrName>
+                                        </p:attrNameLst>
+                                      </p:cBhvr>
+                                      <p:to>
+                                        <p:strVal val="visible"/>
+                                      </p:to>
+                                    </p:set>
+                                    <p:animEffect transition="in" filter="randombar(horizontal)">
+                                      <p:cBhvr>
+                                        <p:cTn id="7" dur="400"/>
+                                        <p:tgtEl>
+                                          <p:spTgt spid="3"/>
+                                        </p:tgtEl>
+                                      </p:cBhvr>
+                                    </p:animEffect>
+                                  </p:childTnLst>
+                                </p:cTn>
+                              </p:par>
+                            </p:childTnLst>
+                          </p:cTn>
+                        </p:par>
+                      </p:childTnLst>
+                    </p:cTn>
+                  </p:par>
+                </p:childTnLst>
+              </p:cTn>
+              <p:prevCondLst>
+                <p:cond evt="onPrev" delay="0">
+                  <p:tgtEl>
+                    <p:sldTgt/>
+                  </p:tgtEl>
+                </p:cond>
+              </p:prevCondLst>
+              <p:nextCondLst>
+                <p:cond evt="onNext" delay="0">
+                  <p:tgtEl>
+                    <p:sldTgt/>
+                  </p:tgtEl>
+                </p:cond>
+              </p:nextCondLst>
+            </p:seq>
+          </p:childTnLst>
+        </p:cTn>
+      </p:par>
+    </p:tnLst>
+    <p:bldLst>
+      <p:bldP spid="3" grpId="0"/>
+    </p:bldLst>
+  </p:timing>
 </p:sld>
 </file>
 
